--- a/기획안_1107_2.pptx
+++ b/기획안_1107_2.pptx
@@ -5,7 +5,7 @@
     <p:sldMasterId id="2147483696" r:id="rId1"/>
   </p:sldMasterIdLst>
   <p:notesMasterIdLst>
-    <p:notesMasterId r:id="rId8"/>
+    <p:notesMasterId r:id="rId7"/>
   </p:notesMasterIdLst>
   <p:sldIdLst>
     <p:sldId id="256" r:id="rId2"/>
@@ -13,7 +13,6 @@
     <p:sldId id="259" r:id="rId4"/>
     <p:sldId id="261" r:id="rId5"/>
     <p:sldId id="264" r:id="rId6"/>
-    <p:sldId id="262" r:id="rId7"/>
   </p:sldIdLst>
   <p:sldSz cx="12192000" cy="6858000"/>
   <p:notesSz cx="6858000" cy="9144000"/>
@@ -880,90 +879,6 @@
     <p:extLst>
       <p:ext uri="{BB962C8B-B14F-4D97-AF65-F5344CB8AC3E}">
         <p14:creationId xmlns:p14="http://schemas.microsoft.com/office/powerpoint/2010/main" val="2560457788"/>
-      </p:ext>
-    </p:extLst>
-  </p:cSld>
-  <p:clrMapOvr>
-    <a:masterClrMapping/>
-  </p:clrMapOvr>
-</p:notes>
-</file>
-
-<file path=ppt/notesSlides/notesSlide6.xml><?xml version="1.0" encoding="utf-8"?>
-<p:notes xmlns:a="http://schemas.openxmlformats.org/drawingml/2006/main" xmlns:r="http://schemas.openxmlformats.org/officeDocument/2006/relationships" xmlns:p="http://schemas.openxmlformats.org/presentationml/2006/main">
-  <p:cSld>
-    <p:spTree>
-      <p:nvGrpSpPr>
-        <p:cNvPr id="1" name=""/>
-        <p:cNvGrpSpPr/>
-        <p:nvPr/>
-      </p:nvGrpSpPr>
-      <p:grpSpPr>
-        <a:xfrm>
-          <a:off x="0" y="0"/>
-          <a:ext cx="0" cy="0"/>
-          <a:chOff x="0" y="0"/>
-          <a:chExt cx="0" cy="0"/>
-        </a:xfrm>
-      </p:grpSpPr>
-      <p:sp>
-        <p:nvSpPr>
-          <p:cNvPr id="2" name="슬라이드 이미지 개체 틀 1"/>
-          <p:cNvSpPr>
-            <a:spLocks noGrp="1" noRot="1" noChangeAspect="1"/>
-          </p:cNvSpPr>
-          <p:nvPr>
-            <p:ph type="sldImg"/>
-          </p:nvPr>
-        </p:nvSpPr>
-        <p:spPr/>
-      </p:sp>
-      <p:sp>
-        <p:nvSpPr>
-          <p:cNvPr id="3" name="슬라이드 노트 개체 틀 2"/>
-          <p:cNvSpPr>
-            <a:spLocks noGrp="1"/>
-          </p:cNvSpPr>
-          <p:nvPr>
-            <p:ph type="body" idx="1"/>
-          </p:nvPr>
-        </p:nvSpPr>
-        <p:spPr/>
-        <p:txBody>
-          <a:bodyPr/>
-          <a:lstStyle/>
-          <a:p>
-            <a:endParaRPr lang="ko-KR" altLang="en-US"/>
-          </a:p>
-        </p:txBody>
-      </p:sp>
-      <p:sp>
-        <p:nvSpPr>
-          <p:cNvPr id="4" name="슬라이드 번호 개체 틀 3"/>
-          <p:cNvSpPr>
-            <a:spLocks noGrp="1"/>
-          </p:cNvSpPr>
-          <p:nvPr>
-            <p:ph type="sldNum" sz="quarter" idx="10"/>
-          </p:nvPr>
-        </p:nvSpPr>
-        <p:spPr/>
-        <p:txBody>
-          <a:bodyPr/>
-          <a:lstStyle/>
-          <a:p>
-            <a:fld id="{2CF55B84-FB98-471F-AF72-D9A0E34CCE13}" type="slidenum">
-              <a:rPr lang="en-US" altLang="ko-KR"/>
-              <a:t>6</a:t>
-            </a:fld>
-            <a:endParaRPr lang="ko-KR" altLang="en-US"/>
-          </a:p>
-        </p:txBody>
-      </p:sp>
-    </p:spTree>
-    <p:extLst>
-      <p:ext uri="{BB962C8B-B14F-4D97-AF65-F5344CB8AC3E}">
-        <p14:creationId xmlns:p14="http://schemas.microsoft.com/office/powerpoint/2010/main" val="3803656359"/>
       </p:ext>
     </p:extLst>
   </p:cSld>
@@ -3850,8 +3765,8 @@
         </p:nvSpPr>
         <p:spPr>
           <a:xfrm>
-            <a:off x="361950" y="390525"/>
-            <a:ext cx="10909300" cy="3293209"/>
+            <a:off x="361950" y="265576"/>
+            <a:ext cx="10909300" cy="3908762"/>
           </a:xfrm>
           <a:prstGeom prst="rect">
             <a:avLst/>
@@ -3886,6 +3801,16 @@
           </a:p>
           <a:p>
             <a:r>
+              <a:rPr lang="ko-KR" altLang="en-US" sz="2400" b="1" dirty="0">
+                <a:solidFill>
+                  <a:srgbClr val="3F3F3F"/>
+                </a:solidFill>
+                <a:latin typeface="Arial"/>
+                <a:cs typeface="Arial"/>
+              </a:rPr>
+              <a:t>관심사 </a:t>
+            </a:r>
+            <a:r>
               <a:rPr lang="KO-KR" altLang="EN-US" sz="2400" b="1" dirty="0">
                 <a:solidFill>
                   <a:srgbClr val="3F3F3F"/>
@@ -3893,9 +3818,61 @@
                 <a:latin typeface="Arial"/>
                 <a:cs typeface="Arial"/>
               </a:rPr>
-              <a:t>소모임 사이트</a:t>
-            </a:r>
-            <a:endParaRPr lang="ko-KR" altLang="EN-US" sz="2400" b="1" dirty="0">
+              <a:t>모임 </a:t>
+            </a:r>
+            <a:r>
+              <a:rPr lang="ko-KR" altLang="en-US" sz="2400" b="1" dirty="0">
+                <a:solidFill>
+                  <a:srgbClr val="3F3F3F"/>
+                </a:solidFill>
+                <a:latin typeface="Arial"/>
+                <a:cs typeface="Arial"/>
+              </a:rPr>
+              <a:t>모집</a:t>
+            </a:r>
+            <a:r>
+              <a:rPr lang="KO-KR" altLang="EN-US" sz="2400" b="1" dirty="0">
+                <a:solidFill>
+                  <a:srgbClr val="3F3F3F"/>
+                </a:solidFill>
+                <a:latin typeface="Arial"/>
+                <a:cs typeface="Arial"/>
+              </a:rPr>
+              <a:t> </a:t>
+            </a:r>
+            <a:r>
+              <a:rPr lang="en-US" altLang="ko-KR" sz="2400" b="1" dirty="0">
+                <a:solidFill>
+                  <a:srgbClr val="3F3F3F"/>
+                </a:solidFill>
+                <a:latin typeface="Arial"/>
+                <a:cs typeface="Arial"/>
+              </a:rPr>
+              <a:t>(</a:t>
+            </a:r>
+            <a:r>
+              <a:rPr lang="ko-KR" altLang="en-US" sz="2400" b="1" dirty="0">
+                <a:solidFill>
+                  <a:srgbClr val="3F3F3F"/>
+                </a:solidFill>
+                <a:latin typeface="Arial"/>
+                <a:cs typeface="Arial"/>
+              </a:rPr>
+              <a:t>가제 </a:t>
+            </a:r>
+            <a:r>
+              <a:rPr lang="en-US" altLang="ko-KR" sz="2400" b="1" dirty="0">
+                <a:solidFill>
+                  <a:srgbClr val="3F3F3F"/>
+                </a:solidFill>
+                <a:latin typeface="Arial"/>
+                <a:cs typeface="Arial"/>
+              </a:rPr>
+              <a:t>: binder)</a:t>
+            </a:r>
+          </a:p>
+          <a:p>
+            <a:endParaRPr lang="ko-KR" altLang="en-US" sz="2000" b="1" dirty="0">
               <a:solidFill>
                 <a:srgbClr val="3F3F3F"/>
               </a:solidFill>
@@ -3904,7 +3881,17 @@
             </a:endParaRPr>
           </a:p>
           <a:p>
-            <a:endParaRPr lang="ko-KR" altLang="en-US" sz="2000" b="1">
+            <a:r>
+              <a:rPr lang="KO-KR" altLang="EN-US" sz="2000" b="1" dirty="0">
+                <a:solidFill>
+                  <a:srgbClr val="3F3F3F"/>
+                </a:solidFill>
+                <a:latin typeface="Arial"/>
+                <a:cs typeface="Arial"/>
+              </a:rPr>
+              <a:t>이유</a:t>
+            </a:r>
+            <a:endParaRPr lang="en-US" altLang="ko-KR" sz="2000" b="1" dirty="0">
               <a:solidFill>
                 <a:srgbClr val="3F3F3F"/>
               </a:solidFill>
@@ -3913,16 +3900,6 @@
             </a:endParaRPr>
           </a:p>
           <a:p>
-            <a:r>
-              <a:rPr lang="KO-KR" altLang="EN-US" sz="2000" b="1" dirty="0">
-                <a:solidFill>
-                  <a:srgbClr val="3F3F3F"/>
-                </a:solidFill>
-                <a:latin typeface="Arial"/>
-                <a:cs typeface="Arial"/>
-              </a:rPr>
-              <a:t>이유</a:t>
-            </a:r>
             <a:endParaRPr lang="ko-KR" altLang="EN-US" sz="2000" b="1" dirty="0">
               <a:solidFill>
                 <a:srgbClr val="3F3F3F"/>
@@ -3932,6 +3909,11 @@
             </a:endParaRPr>
           </a:p>
           <a:p>
+            <a:pPr>
+              <a:lnSpc>
+                <a:spcPct val="120000"/>
+              </a:lnSpc>
+            </a:pPr>
             <a:r>
               <a:rPr lang="KO-KR" altLang="EN-US" sz="2000" dirty="0">
                 <a:solidFill>
@@ -3940,27 +3922,7 @@
                 <a:latin typeface="Arial"/>
                 <a:cs typeface="Arial"/>
               </a:rPr>
-              <a:t>취업 </a:t>
-            </a:r>
-            <a:r>
-              <a:rPr lang="KO-KR" altLang="EN-US" sz="2000" dirty="0" err="1">
-                <a:solidFill>
-                  <a:srgbClr val="3F3F3F"/>
-                </a:solidFill>
-                <a:latin typeface="Arial"/>
-                <a:cs typeface="Arial"/>
-              </a:rPr>
-              <a:t>스터디를</a:t>
-            </a:r>
-            <a:r>
-              <a:rPr lang="KO-KR" altLang="EN-US" sz="2000" dirty="0">
-                <a:solidFill>
-                  <a:srgbClr val="3F3F3F"/>
-                </a:solidFill>
-                <a:latin typeface="Arial"/>
-                <a:cs typeface="Arial"/>
-              </a:rPr>
-              <a:t> 모집할 때 또는 공모전 팀원을 모집할 때</a:t>
+              <a:t>  취업 스터디를 모집할 때 또는 공모전 팀원을 모집할 때</a:t>
             </a:r>
             <a:r>
               <a:rPr lang="EN-US" altLang="EN-US" sz="2000" dirty="0">
@@ -4006,164 +3968,6 @@
             </a:r>
             <a:r>
               <a:rPr lang="EN-US" altLang="EN-US" sz="2000" dirty="0">
-                <a:solidFill>
-                  <a:srgbClr val="3F3F3F"/>
-                </a:solidFill>
-                <a:latin typeface="Arial"/>
-                <a:ea typeface="Verdana"/>
-                <a:cs typeface="Arial"/>
-              </a:rPr>
-              <a:t>. </a:t>
-            </a:r>
-            <a:endParaRPr lang="KO-KR" altLang="KO-KR" sz="2000">
-              <a:solidFill>
-                <a:srgbClr val="3F3F3F"/>
-              </a:solidFill>
-              <a:latin typeface="Arial"/>
-              <a:cs typeface="Arial"/>
-            </a:endParaRPr>
-          </a:p>
-          <a:p>
-            <a:r>
-              <a:rPr lang="EN-US" altLang="EN-US" sz="2000" dirty="0">
-                <a:solidFill>
-                  <a:srgbClr val="3F3F3F"/>
-                </a:solidFill>
-                <a:latin typeface="Arial"/>
-                <a:ea typeface="Verdana"/>
-                <a:cs typeface="Arial"/>
-              </a:rPr>
-              <a:t>실제로</a:t>
-            </a:r>
-            <a:r>
-              <a:rPr lang="EN-US" altLang="KO-KR" sz="2000" dirty="0">
-                <a:solidFill>
-                  <a:srgbClr val="3F3F3F"/>
-                </a:solidFill>
-                <a:latin typeface="Arial"/>
-                <a:ea typeface="Verdana"/>
-                <a:cs typeface="Arial"/>
-              </a:rPr>
-              <a:t> </a:t>
-            </a:r>
-            <a:r>
-              <a:rPr lang="EN-US" altLang="EN-US" sz="2000" dirty="0">
-                <a:solidFill>
-                  <a:srgbClr val="3F3F3F"/>
-                </a:solidFill>
-                <a:latin typeface="Arial"/>
-                <a:ea typeface="Verdana"/>
-                <a:cs typeface="Arial"/>
-              </a:rPr>
-              <a:t>취업 스터디를 준비할 때도 이곳 </a:t>
-            </a:r>
-            <a:r>
-              <a:rPr lang="KO-KR" altLang="EN-US" sz="2000" dirty="0">
-                <a:solidFill>
-                  <a:srgbClr val="3F3F3F"/>
-                </a:solidFill>
-                <a:latin typeface="Arial"/>
-                <a:cs typeface="Arial"/>
-              </a:rPr>
-              <a:t>저곳 커뮤니티를 돌아다니며 모집 글을 올리다 보니 불편한 점이 많았다</a:t>
-            </a:r>
-            <a:r>
-              <a:rPr lang="EN-US" altLang="EN-US" sz="2000" dirty="0">
-                <a:solidFill>
-                  <a:srgbClr val="3F3F3F"/>
-                </a:solidFill>
-                <a:latin typeface="Arial"/>
-                <a:ea typeface="Verdana"/>
-                <a:cs typeface="Arial"/>
-              </a:rPr>
-              <a:t>.</a:t>
-            </a:r>
-            <a:r>
-              <a:rPr lang="EN-US" altLang="KO-KR" sz="2000" dirty="0">
-                <a:solidFill>
-                  <a:srgbClr val="3F3F3F"/>
-                </a:solidFill>
-                <a:latin typeface="Arial"/>
-                <a:ea typeface="Verdana"/>
-                <a:cs typeface="Arial"/>
-              </a:rPr>
-              <a:t> </a:t>
-            </a:r>
-            <a:r>
-              <a:rPr lang="KO-KR" altLang="EN-US" sz="2000" dirty="0">
-                <a:solidFill>
-                  <a:srgbClr val="3F3F3F"/>
-                </a:solidFill>
-                <a:latin typeface="Arial"/>
-                <a:cs typeface="Arial"/>
-              </a:rPr>
-              <a:t>그래서</a:t>
-            </a:r>
-            <a:r>
-              <a:rPr lang="EN-US" altLang="KO-KR" sz="2000" dirty="0">
-                <a:solidFill>
-                  <a:srgbClr val="3F3F3F"/>
-                </a:solidFill>
-                <a:latin typeface="Arial"/>
-                <a:ea typeface="Verdana"/>
-                <a:cs typeface="Arial"/>
-              </a:rPr>
-              <a:t> </a:t>
-            </a:r>
-            <a:r>
-              <a:rPr lang="KO-KR" altLang="EN-US" sz="2000" dirty="0">
-                <a:solidFill>
-                  <a:srgbClr val="3F3F3F"/>
-                </a:solidFill>
-                <a:latin typeface="Arial"/>
-                <a:cs typeface="Arial"/>
-              </a:rPr>
-              <a:t>원하는 모임 주제별로</a:t>
-            </a:r>
-            <a:r>
-              <a:rPr lang="EN-US" altLang="KO-KR" sz="2000" dirty="0">
-                <a:solidFill>
-                  <a:srgbClr val="3F3F3F"/>
-                </a:solidFill>
-                <a:latin typeface="Arial"/>
-                <a:ea typeface="Verdana"/>
-                <a:cs typeface="Arial"/>
-              </a:rPr>
-              <a:t> 사람들을 편리하게 모을 수 있는 </a:t>
-            </a:r>
-            <a:r>
-              <a:rPr lang="KO-KR" altLang="EN-US" sz="2000" dirty="0">
-                <a:solidFill>
-                  <a:srgbClr val="3F3F3F"/>
-                </a:solidFill>
-                <a:latin typeface="Arial"/>
-                <a:cs typeface="Arial"/>
-              </a:rPr>
-              <a:t>소모임 사이트를</a:t>
-            </a:r>
-            <a:r>
-              <a:rPr lang="EN-US" altLang="KO-KR" sz="2000" dirty="0">
-                <a:solidFill>
-                  <a:srgbClr val="3F3F3F"/>
-                </a:solidFill>
-                <a:latin typeface="Arial"/>
-                <a:ea typeface="Verdana"/>
-                <a:cs typeface="Arial"/>
-              </a:rPr>
-              <a:t> 생각 해 </a:t>
-            </a:r>
-            <a:r>
-              <a:rPr lang="KO-KR" altLang="EN-US" sz="2000" dirty="0">
-                <a:solidFill>
-                  <a:srgbClr val="3F3F3F"/>
-                </a:solidFill>
-                <a:latin typeface="Arial"/>
-                <a:cs typeface="Arial"/>
-              </a:rPr>
-              <a:t>보았다</a:t>
-            </a:r>
-            <a:r>
-              <a:rPr lang="EN-US" altLang="KO-KR" sz="2000" dirty="0">
                 <a:solidFill>
                   <a:srgbClr val="3F3F3F"/>
                 </a:solidFill>
@@ -4182,7 +3986,172 @@
             </a:endParaRPr>
           </a:p>
           <a:p>
-            <a:endParaRPr lang="KO-KR" altLang="EN-US" sz="2000" b="1">
+            <a:pPr>
+              <a:lnSpc>
+                <a:spcPct val="120000"/>
+              </a:lnSpc>
+            </a:pPr>
+            <a:r>
+              <a:rPr lang="EN-US" altLang="EN-US" sz="2000" dirty="0">
+                <a:solidFill>
+                  <a:srgbClr val="3F3F3F"/>
+                </a:solidFill>
+                <a:latin typeface="Arial"/>
+                <a:ea typeface="Verdana"/>
+                <a:cs typeface="Arial"/>
+              </a:rPr>
+              <a:t>  </a:t>
+            </a:r>
+            <a:r>
+              <a:rPr lang="EN-US" altLang="EN-US" sz="2000" dirty="0" err="1">
+                <a:solidFill>
+                  <a:srgbClr val="3F3F3F"/>
+                </a:solidFill>
+                <a:latin typeface="Arial"/>
+                <a:ea typeface="Verdana"/>
+                <a:cs typeface="Arial"/>
+              </a:rPr>
+              <a:t>실제로</a:t>
+            </a:r>
+            <a:r>
+              <a:rPr lang="EN-US" altLang="KO-KR" sz="2000" dirty="0">
+                <a:solidFill>
+                  <a:srgbClr val="3F3F3F"/>
+                </a:solidFill>
+                <a:latin typeface="Arial"/>
+                <a:ea typeface="Verdana"/>
+                <a:cs typeface="Arial"/>
+              </a:rPr>
+              <a:t> </a:t>
+            </a:r>
+            <a:r>
+              <a:rPr lang="EN-US" altLang="EN-US" sz="2000" dirty="0">
+                <a:solidFill>
+                  <a:srgbClr val="3F3F3F"/>
+                </a:solidFill>
+                <a:latin typeface="Arial"/>
+                <a:ea typeface="Verdana"/>
+                <a:cs typeface="Arial"/>
+              </a:rPr>
+              <a:t>취업 스터디를 준비할 때도 이곳 </a:t>
+            </a:r>
+            <a:r>
+              <a:rPr lang="KO-KR" altLang="EN-US" sz="2000" dirty="0">
+                <a:solidFill>
+                  <a:srgbClr val="3F3F3F"/>
+                </a:solidFill>
+                <a:latin typeface="Arial"/>
+                <a:cs typeface="Arial"/>
+              </a:rPr>
+              <a:t>저곳 커뮤니티를 돌아다니며 모집 글을 올리다 보니 불편한 점이 많았다</a:t>
+            </a:r>
+            <a:r>
+              <a:rPr lang="EN-US" altLang="EN-US" sz="2000" dirty="0">
+                <a:solidFill>
+                  <a:srgbClr val="3F3F3F"/>
+                </a:solidFill>
+                <a:latin typeface="Arial"/>
+                <a:ea typeface="Verdana"/>
+                <a:cs typeface="Arial"/>
+              </a:rPr>
+              <a:t>.</a:t>
+            </a:r>
+            <a:r>
+              <a:rPr lang="EN-US" altLang="KO-KR" sz="2000" dirty="0">
+                <a:solidFill>
+                  <a:srgbClr val="3F3F3F"/>
+                </a:solidFill>
+                <a:latin typeface="Arial"/>
+                <a:ea typeface="Verdana"/>
+                <a:cs typeface="Arial"/>
+              </a:rPr>
+              <a:t> </a:t>
+            </a:r>
+            <a:r>
+              <a:rPr lang="KO-KR" altLang="EN-US" sz="2000" dirty="0">
+                <a:solidFill>
+                  <a:srgbClr val="3F3F3F"/>
+                </a:solidFill>
+                <a:latin typeface="Arial"/>
+                <a:cs typeface="Arial"/>
+              </a:rPr>
+              <a:t>그래서</a:t>
+            </a:r>
+            <a:r>
+              <a:rPr lang="EN-US" altLang="KO-KR" sz="2000" dirty="0">
+                <a:solidFill>
+                  <a:srgbClr val="3F3F3F"/>
+                </a:solidFill>
+                <a:latin typeface="Arial"/>
+                <a:ea typeface="Verdana"/>
+                <a:cs typeface="Arial"/>
+              </a:rPr>
+              <a:t> </a:t>
+            </a:r>
+            <a:r>
+              <a:rPr lang="KO-KR" altLang="EN-US" sz="2000" dirty="0">
+                <a:solidFill>
+                  <a:srgbClr val="3F3F3F"/>
+                </a:solidFill>
+                <a:latin typeface="Arial"/>
+                <a:cs typeface="Arial"/>
+              </a:rPr>
+              <a:t>원하는 모임 주제별로</a:t>
+            </a:r>
+            <a:r>
+              <a:rPr lang="EN-US" altLang="KO-KR" sz="2000" dirty="0">
+                <a:solidFill>
+                  <a:srgbClr val="3F3F3F"/>
+                </a:solidFill>
+                <a:latin typeface="Arial"/>
+                <a:ea typeface="Verdana"/>
+                <a:cs typeface="Arial"/>
+              </a:rPr>
+              <a:t> 사람들을 편리하게 모을 수 있는 </a:t>
+            </a:r>
+            <a:r>
+              <a:rPr lang="KO-KR" altLang="EN-US" sz="2000" dirty="0">
+                <a:solidFill>
+                  <a:srgbClr val="3F3F3F"/>
+                </a:solidFill>
+                <a:latin typeface="Arial"/>
+                <a:cs typeface="Arial"/>
+              </a:rPr>
+              <a:t>소모임 사이트를</a:t>
+            </a:r>
+            <a:r>
+              <a:rPr lang="EN-US" altLang="KO-KR" sz="2000" dirty="0">
+                <a:solidFill>
+                  <a:srgbClr val="3F3F3F"/>
+                </a:solidFill>
+                <a:latin typeface="Arial"/>
+                <a:ea typeface="Verdana"/>
+                <a:cs typeface="Arial"/>
+              </a:rPr>
+              <a:t> 생각 해 </a:t>
+            </a:r>
+            <a:r>
+              <a:rPr lang="KO-KR" altLang="EN-US" sz="2000" dirty="0">
+                <a:solidFill>
+                  <a:srgbClr val="3F3F3F"/>
+                </a:solidFill>
+                <a:latin typeface="Arial"/>
+                <a:cs typeface="Arial"/>
+              </a:rPr>
+              <a:t>보았다</a:t>
+            </a:r>
+            <a:r>
+              <a:rPr lang="EN-US" altLang="KO-KR" sz="2000" dirty="0">
+                <a:solidFill>
+                  <a:srgbClr val="3F3F3F"/>
+                </a:solidFill>
+                <a:latin typeface="Arial"/>
+                <a:ea typeface="Verdana"/>
+                <a:cs typeface="Arial"/>
+              </a:rPr>
+              <a:t>. </a:t>
+            </a:r>
+            <a:endParaRPr lang="KO-KR" altLang="KO-KR" sz="2000" dirty="0">
               <a:solidFill>
                 <a:srgbClr val="3F3F3F"/>
               </a:solidFill>
@@ -4190,6 +4159,15 @@
               <a:cs typeface="Arial"/>
             </a:endParaRPr>
           </a:p>
+          <a:p>
+            <a:endParaRPr lang="KO-KR" altLang="EN-US" sz="2000" b="1" dirty="0">
+              <a:solidFill>
+                <a:srgbClr val="3F3F3F"/>
+              </a:solidFill>
+              <a:latin typeface="Arial"/>
+              <a:cs typeface="Arial"/>
+            </a:endParaRPr>
+          </a:p>
         </p:txBody>
       </p:sp>
       <p:sp>
@@ -4200,7 +4178,7 @@
         </p:nvSpPr>
         <p:spPr>
           <a:xfrm>
-            <a:off x="142875" y="6115050"/>
+            <a:off x="142875" y="6251366"/>
             <a:ext cx="11788461" cy="461665"/>
           </a:xfrm>
           <a:prstGeom prst="rect">
@@ -4290,7 +4268,7 @@
         </p:blipFill>
         <p:spPr>
           <a:xfrm>
-            <a:off x="361950" y="3743325"/>
+            <a:off x="361950" y="3879641"/>
             <a:ext cx="3708885" cy="2320206"/>
           </a:xfrm>
           <a:prstGeom prst="rect">
@@ -4314,7 +4292,7 @@
         </p:blipFill>
         <p:spPr>
           <a:xfrm>
-            <a:off x="4232275" y="3743325"/>
+            <a:off x="4232275" y="3879641"/>
             <a:ext cx="3708885" cy="2320206"/>
           </a:xfrm>
           <a:prstGeom prst="rect">
@@ -4338,7 +4316,7 @@
         </p:blipFill>
         <p:spPr>
           <a:xfrm>
-            <a:off x="8102600" y="3743325"/>
+            <a:off x="8102600" y="3879641"/>
             <a:ext cx="3666999" cy="2296453"/>
           </a:xfrm>
           <a:prstGeom prst="rect">
@@ -4836,15 +4814,15 @@
           <a:p>
             <a:pPr algn="ctr"/>
             <a:r>
-              <a:rPr lang="KO-KR" altLang="EN-US" sz="2000" b="1" dirty="0" err="1">
+              <a:rPr lang="KO-KR" altLang="EN-US" sz="2000" b="1" dirty="0">
                 <a:solidFill>
                   <a:srgbClr val="3F3F3F"/>
                 </a:solidFill>
                 <a:latin typeface="맑은 고딕"/>
               </a:rPr>
-              <a:t>연관검색어</a:t>
-            </a:r>
-            <a:endParaRPr lang="ko-KR" altLang="EN-US" sz="2000" b="1" dirty="0" err="1">
+              <a:t>연관 검색어</a:t>
+            </a:r>
+            <a:endParaRPr lang="ko-KR" altLang="EN-US" sz="2000" b="1" dirty="0">
               <a:solidFill>
                 <a:srgbClr val="3F3F3F"/>
               </a:solidFill>
@@ -4897,7 +4875,7 @@
         </p:nvSpPr>
         <p:spPr>
           <a:xfrm>
-            <a:off x="-143542" y="2368550"/>
+            <a:off x="-218979" y="2312432"/>
             <a:ext cx="1887436" cy="707886"/>
           </a:xfrm>
           <a:prstGeom prst="rect">
@@ -4912,22 +4890,13 @@
           <a:p>
             <a:pPr algn="ctr"/>
             <a:r>
-              <a:rPr lang="KO-KR" altLang="EN-US" sz="2000" b="1" dirty="0" err="1">
+              <a:rPr lang="KO-KR" altLang="EN-US" sz="2000" b="1" dirty="0">
                 <a:solidFill>
                   <a:srgbClr val="3F3F3F"/>
                 </a:solidFill>
                 <a:latin typeface="맑은 고딕"/>
               </a:rPr>
-              <a:t>옵션선택</a:t>
-            </a:r>
-            <a:r>
-              <a:rPr lang="KO-KR" altLang="EN-US" sz="2000" b="1" dirty="0">
-                <a:solidFill>
-                  <a:srgbClr val="3F3F3F"/>
-                </a:solidFill>
-                <a:latin typeface="맑은 고딕"/>
-              </a:rPr>
-              <a:t> </a:t>
+              <a:t>옵션  선택 </a:t>
             </a:r>
             <a:endParaRPr lang="ko-KR" altLang="EN-US" sz="2000" b="1" dirty="0">
               <a:solidFill>
@@ -4939,7 +4908,7 @@
           <a:p>
             <a:pPr algn="ctr"/>
             <a:r>
-              <a:rPr lang="KO-KR" altLang="EN-US" sz="2000" b="1" dirty="0" err="1">
+              <a:rPr lang="KO-KR" altLang="EN-US" sz="2000" b="1" dirty="0">
                 <a:solidFill>
                   <a:srgbClr val="3F3F3F"/>
                 </a:solidFill>
@@ -4947,7 +4916,7 @@
               </a:rPr>
               <a:t>체크박스</a:t>
             </a:r>
-            <a:endParaRPr lang="ko-KR" altLang="EN-US" sz="2000" b="1" dirty="0" err="1">
+            <a:endParaRPr lang="ko-KR" altLang="EN-US" sz="2000" b="1" dirty="0">
               <a:solidFill>
                 <a:srgbClr val="3F3F3F"/>
               </a:solidFill>
@@ -5050,99 +5019,6 @@
           </a:p>
           <a:p>
             <a:pPr algn="ctr"/>
-            <a:endParaRPr lang="en-US" altLang="ko-KR" sz="2000" b="1">
-              <a:solidFill>
-                <a:srgbClr val="3F3F3F"/>
-              </a:solidFill>
-              <a:latin typeface="맑은 고딕"/>
-            </a:endParaRPr>
-          </a:p>
-          <a:p>
-            <a:pPr algn="ctr"/>
-            <a:r>
-              <a:rPr lang="EN-US" altLang="KO-KR" sz="2000" b="1" dirty="0" err="1">
-                <a:solidFill>
-                  <a:srgbClr val="3F3F3F"/>
-                </a:solidFill>
-                <a:latin typeface="맑은 고딕"/>
-              </a:rPr>
-              <a:t>가입시</a:t>
-            </a:r>
-            <a:r>
-              <a:rPr lang="EN-US" altLang="KO-KR" sz="2000" b="1" dirty="0">
-                <a:solidFill>
-                  <a:srgbClr val="3F3F3F"/>
-                </a:solidFill>
-                <a:latin typeface="맑은 고딕"/>
-              </a:rPr>
-              <a:t> </a:t>
-            </a:r>
-            <a:r>
-              <a:rPr lang="EN-US" altLang="KO-KR" sz="2000" b="1" dirty="0" err="1">
-                <a:solidFill>
-                  <a:srgbClr val="3F3F3F"/>
-                </a:solidFill>
-                <a:latin typeface="맑은 고딕"/>
-              </a:rPr>
-              <a:t>관심사</a:t>
-            </a:r>
-            <a:r>
-              <a:rPr lang="EN-US" altLang="KO-KR" sz="2000" b="1" dirty="0">
-                <a:solidFill>
-                  <a:srgbClr val="3F3F3F"/>
-                </a:solidFill>
-                <a:latin typeface="맑은 고딕"/>
-              </a:rPr>
-              <a:t> </a:t>
-            </a:r>
-            <a:r>
-              <a:rPr lang="KO-KR" altLang="EN-US" sz="2000" b="1" dirty="0">
-                <a:solidFill>
-                  <a:srgbClr val="3F3F3F"/>
-                </a:solidFill>
-                <a:latin typeface="맑은 고딕"/>
-              </a:rPr>
-              <a:t>선택해서</a:t>
-            </a:r>
-          </a:p>
-          <a:p>
-            <a:pPr algn="ctr"/>
-            <a:r>
-              <a:rPr lang="EN-US" altLang="KO-KR" sz="2000" b="1" dirty="0" err="1">
-                <a:solidFill>
-                  <a:srgbClr val="3F3F3F"/>
-                </a:solidFill>
-                <a:latin typeface="맑은 고딕"/>
-              </a:rPr>
-              <a:t>관심사</a:t>
-            </a:r>
-            <a:r>
-              <a:rPr lang="EN-US" altLang="KO-KR" sz="2000" b="1" dirty="0">
-                <a:solidFill>
-                  <a:srgbClr val="3F3F3F"/>
-                </a:solidFill>
-                <a:latin typeface="맑은 고딕"/>
-              </a:rPr>
-              <a:t> </a:t>
-            </a:r>
-            <a:r>
-              <a:rPr lang="KO-KR" altLang="EN-US" sz="2000" b="1" dirty="0">
-                <a:solidFill>
-                  <a:srgbClr val="3F3F3F"/>
-                </a:solidFill>
-                <a:latin typeface="맑은 고딕"/>
-              </a:rPr>
-              <a:t>순으로</a:t>
-            </a:r>
-            <a:r>
-              <a:rPr lang="EN-US" altLang="KO-KR" sz="2000" b="1" dirty="0">
-                <a:solidFill>
-                  <a:srgbClr val="3F3F3F"/>
-                </a:solidFill>
-                <a:latin typeface="맑은 고딕"/>
-              </a:rPr>
-              <a:t> </a:t>
-            </a:r>
             <a:endParaRPr lang="en-US" altLang="ko-KR" sz="2000" b="1" dirty="0">
               <a:solidFill>
                 <a:srgbClr val="3F3F3F"/>
@@ -5159,7 +5035,7 @@
                 </a:solidFill>
                 <a:latin typeface="맑은 고딕"/>
               </a:rPr>
-              <a:t>모임정보</a:t>
+              <a:t>가입</a:t>
             </a:r>
             <a:r>
               <a:rPr lang="EN-US" altLang="KO-KR" sz="2000" b="1" dirty="0">
@@ -5168,18 +5044,129 @@
                 </a:solidFill>
                 <a:latin typeface="맑은 고딕"/>
               </a:rPr>
+              <a:t> 시 </a:t>
+            </a:r>
+            <a:r>
+              <a:rPr lang="EN-US" altLang="KO-KR" sz="2000" b="1" dirty="0" err="1">
+                <a:solidFill>
+                  <a:srgbClr val="3F3F3F"/>
+                </a:solidFill>
+                <a:latin typeface="맑은 고딕"/>
+              </a:rPr>
+              <a:t>관심사</a:t>
+            </a:r>
+            <a:r>
+              <a:rPr lang="EN-US" altLang="KO-KR" sz="2000" b="1" dirty="0">
+                <a:solidFill>
+                  <a:srgbClr val="3F3F3F"/>
+                </a:solidFill>
+                <a:latin typeface="맑은 고딕"/>
+              </a:rPr>
               <a:t> </a:t>
             </a:r>
             <a:r>
-              <a:rPr lang="KO-KR" altLang="EN-US" sz="2000" b="1" dirty="0" err="1">
+              <a:rPr lang="KO-KR" altLang="EN-US" sz="2000" b="1" dirty="0">
                 <a:solidFill>
                   <a:srgbClr val="3F3F3F"/>
                 </a:solidFill>
                 <a:latin typeface="맑은 고딕"/>
               </a:rPr>
-              <a:t>상위노출</a:t>
-            </a:r>
-            <a:endParaRPr lang="KO-KR" altLang="en-US" sz="2000" b="1" dirty="0" err="1">
+              <a:t>선택해서</a:t>
+            </a:r>
+          </a:p>
+          <a:p>
+            <a:pPr algn="ctr"/>
+            <a:r>
+              <a:rPr lang="EN-US" altLang="KO-KR" sz="2000" b="1" dirty="0" err="1">
+                <a:solidFill>
+                  <a:srgbClr val="3F3F3F"/>
+                </a:solidFill>
+                <a:latin typeface="맑은 고딕"/>
+              </a:rPr>
+              <a:t>관심사</a:t>
+            </a:r>
+            <a:r>
+              <a:rPr lang="EN-US" altLang="KO-KR" sz="2000" b="1" dirty="0">
+                <a:solidFill>
+                  <a:srgbClr val="3F3F3F"/>
+                </a:solidFill>
+                <a:latin typeface="맑은 고딕"/>
+              </a:rPr>
+              <a:t> </a:t>
+            </a:r>
+            <a:r>
+              <a:rPr lang="KO-KR" altLang="EN-US" sz="2000" b="1" dirty="0">
+                <a:solidFill>
+                  <a:srgbClr val="3F3F3F"/>
+                </a:solidFill>
+                <a:latin typeface="맑은 고딕"/>
+              </a:rPr>
+              <a:t>순으로</a:t>
+            </a:r>
+            <a:r>
+              <a:rPr lang="EN-US" altLang="KO-KR" sz="2000" b="1" dirty="0">
+                <a:solidFill>
+                  <a:srgbClr val="3F3F3F"/>
+                </a:solidFill>
+                <a:latin typeface="맑은 고딕"/>
+              </a:rPr>
+              <a:t> </a:t>
+            </a:r>
+            <a:endParaRPr lang="en-US" altLang="ko-KR" sz="2000" b="1" dirty="0">
+              <a:solidFill>
+                <a:srgbClr val="3F3F3F"/>
+              </a:solidFill>
+              <a:latin typeface="맑은 고딕"/>
+            </a:endParaRPr>
+          </a:p>
+          <a:p>
+            <a:pPr algn="ctr"/>
+            <a:r>
+              <a:rPr lang="EN-US" altLang="KO-KR" sz="2000" b="1" dirty="0" err="1">
+                <a:solidFill>
+                  <a:srgbClr val="3F3F3F"/>
+                </a:solidFill>
+                <a:latin typeface="맑은 고딕"/>
+              </a:rPr>
+              <a:t>모임</a:t>
+            </a:r>
+            <a:r>
+              <a:rPr lang="EN-US" altLang="KO-KR" sz="2000" b="1" dirty="0">
+                <a:solidFill>
+                  <a:srgbClr val="3F3F3F"/>
+                </a:solidFill>
+                <a:latin typeface="맑은 고딕"/>
+              </a:rPr>
+              <a:t> </a:t>
+            </a:r>
+            <a:r>
+              <a:rPr lang="EN-US" altLang="KO-KR" sz="2000" b="1" dirty="0" err="1">
+                <a:solidFill>
+                  <a:srgbClr val="3F3F3F"/>
+                </a:solidFill>
+                <a:latin typeface="맑은 고딕"/>
+              </a:rPr>
+              <a:t>정보</a:t>
+            </a:r>
+            <a:r>
+              <a:rPr lang="EN-US" altLang="KO-KR" sz="2000" b="1" dirty="0">
+                <a:solidFill>
+                  <a:srgbClr val="3F3F3F"/>
+                </a:solidFill>
+                <a:latin typeface="맑은 고딕"/>
+              </a:rPr>
+              <a:t> </a:t>
+            </a:r>
+            <a:r>
+              <a:rPr lang="KO-KR" altLang="EN-US" sz="2000" b="1" dirty="0">
+                <a:solidFill>
+                  <a:srgbClr val="3F3F3F"/>
+                </a:solidFill>
+                <a:latin typeface="맑은 고딕"/>
+              </a:rPr>
+              <a:t>상위 노출</a:t>
+            </a:r>
+            <a:endParaRPr lang="KO-KR" altLang="en-US" sz="2000" b="1" dirty="0">
               <a:solidFill>
                 <a:srgbClr val="3F3F3F"/>
               </a:solidFill>
@@ -5394,84 +5381,124 @@
         </p:nvSpPr>
         <p:spPr>
           <a:xfrm>
-            <a:off x="1181996" y="351635"/>
-            <a:ext cx="8508367" cy="6498254"/>
+            <a:off x="619066" y="351635"/>
+            <a:ext cx="11103428" cy="6498254"/>
           </a:xfrm>
           <a:prstGeom prst="rect">
             <a:avLst/>
           </a:prstGeom>
         </p:spPr>
         <p:txBody>
-          <a:bodyPr rtlCol="0">
+          <a:bodyPr wrap="square" rtlCol="0">
             <a:spAutoFit/>
           </a:bodyPr>
           <a:lstStyle/>
           <a:p>
             <a:endParaRPr lang="ko-KR" altLang="en-US" dirty="0">
               <a:solidFill>
-                <a:srgbClr val="3F3F3F"/>
+                <a:schemeClr val="tx1">
+                  <a:lumMod val="85000"/>
+                  <a:lumOff val="15000"/>
+                </a:schemeClr>
               </a:solidFill>
-              <a:latin typeface="맑은 고딕"/>
+              <a:latin typeface="+mj-ea"/>
+              <a:ea typeface="+mj-ea"/>
+              <a:cs typeface="Arial" panose="020B0604020202020204" pitchFamily="34" charset="0"/>
             </a:endParaRPr>
           </a:p>
           <a:p>
             <a:r>
               <a:rPr lang="KO-KR" altLang="EN-US" sz="4400" b="1" dirty="0">
                 <a:solidFill>
-                  <a:srgbClr val="3F3F3F"/>
-                </a:solidFill>
-                <a:latin typeface="맑은 고딕"/>
+                  <a:schemeClr val="tx1">
+                    <a:lumMod val="85000"/>
+                    <a:lumOff val="15000"/>
+                  </a:schemeClr>
+                </a:solidFill>
+                <a:latin typeface="+mj-ea"/>
+                <a:ea typeface="+mj-ea"/>
+                <a:cs typeface="Arial" panose="020B0604020202020204" pitchFamily="34" charset="0"/>
               </a:rPr>
               <a:t>그 외에도....</a:t>
             </a:r>
           </a:p>
           <a:p>
-            <a:endParaRPr lang="ko-KR" altLang="en-US">
+            <a:endParaRPr lang="ko-KR" altLang="en-US" dirty="0">
               <a:solidFill>
-                <a:srgbClr val="3F3F3F"/>
+                <a:schemeClr val="tx1">
+                  <a:lumMod val="85000"/>
+                  <a:lumOff val="15000"/>
+                </a:schemeClr>
               </a:solidFill>
-              <a:latin typeface="맑은 고딕"/>
+              <a:latin typeface="+mj-ea"/>
+              <a:ea typeface="+mj-ea"/>
+              <a:cs typeface="Arial" panose="020B0604020202020204" pitchFamily="34" charset="0"/>
             </a:endParaRPr>
           </a:p>
           <a:p>
-            <a:endParaRPr lang="ko-KR" altLang="en-US">
+            <a:endParaRPr lang="ko-KR" altLang="en-US" dirty="0">
               <a:solidFill>
-                <a:srgbClr val="3F3F3F"/>
+                <a:schemeClr val="tx1">
+                  <a:lumMod val="85000"/>
+                  <a:lumOff val="15000"/>
+                </a:schemeClr>
               </a:solidFill>
-              <a:latin typeface="맑은 고딕"/>
+              <a:latin typeface="+mj-ea"/>
+              <a:ea typeface="+mj-ea"/>
+              <a:cs typeface="Arial" panose="020B0604020202020204" pitchFamily="34" charset="0"/>
             </a:endParaRPr>
           </a:p>
           <a:p>
-            <a:endParaRPr lang="ko-KR" altLang="en-US">
+            <a:endParaRPr lang="ko-KR" altLang="en-US" dirty="0">
               <a:solidFill>
-                <a:srgbClr val="3F3F3F"/>
+                <a:schemeClr val="tx1">
+                  <a:lumMod val="85000"/>
+                  <a:lumOff val="15000"/>
+                </a:schemeClr>
               </a:solidFill>
-              <a:latin typeface="맑은 고딕"/>
+              <a:latin typeface="+mj-ea"/>
+              <a:ea typeface="+mj-ea"/>
+              <a:cs typeface="Arial" panose="020B0604020202020204" pitchFamily="34" charset="0"/>
             </a:endParaRPr>
           </a:p>
           <a:p>
             <a:r>
               <a:rPr lang="KO-KR" altLang="EN-US" sz="3600" dirty="0">
                 <a:solidFill>
-                  <a:srgbClr val="3F3F3F"/>
-                </a:solidFill>
-                <a:latin typeface="맑은 고딕"/>
+                  <a:schemeClr val="tx1">
+                    <a:lumMod val="85000"/>
+                    <a:lumOff val="15000"/>
+                  </a:schemeClr>
+                </a:solidFill>
+                <a:latin typeface="+mj-ea"/>
+                <a:ea typeface="+mj-ea"/>
+                <a:cs typeface="Arial" panose="020B0604020202020204" pitchFamily="34" charset="0"/>
               </a:rPr>
               <a:t>모임에 가입하면</a:t>
             </a:r>
             <a:endParaRPr lang="ko-KR" altLang="en-US" sz="3600" dirty="0">
               <a:solidFill>
-                <a:srgbClr val="3F3F3F"/>
+                <a:schemeClr val="tx1">
+                  <a:lumMod val="85000"/>
+                  <a:lumOff val="15000"/>
+                </a:schemeClr>
               </a:solidFill>
-              <a:latin typeface="맑은 고딕"/>
+              <a:latin typeface="+mj-ea"/>
+              <a:ea typeface="+mj-ea"/>
+              <a:cs typeface="Arial" panose="020B0604020202020204" pitchFamily="34" charset="0"/>
             </a:endParaRPr>
           </a:p>
           <a:p>
-            <a:endParaRPr lang="ko-KR" altLang="EN-US">
+            <a:endParaRPr lang="ko-KR" altLang="EN-US" dirty="0">
               <a:solidFill>
-                <a:srgbClr val="3F3F3F"/>
+                <a:schemeClr val="tx1">
+                  <a:lumMod val="85000"/>
+                  <a:lumOff val="15000"/>
+                </a:schemeClr>
               </a:solidFill>
-              <a:latin typeface="맑은 고딕"/>
+              <a:latin typeface="+mj-ea"/>
+              <a:ea typeface="+mj-ea"/>
+              <a:cs typeface="Arial" panose="020B0604020202020204" pitchFamily="34" charset="0"/>
             </a:endParaRPr>
           </a:p>
           <a:p>
@@ -5483,26 +5510,27 @@
             <a:r>
               <a:rPr lang="KO-KR" altLang="EN-US" sz="2800" dirty="0">
                 <a:solidFill>
-                  <a:srgbClr val="3F3F3F"/>
-                </a:solidFill>
-                <a:latin typeface="맑은 고딕"/>
-              </a:rPr>
-              <a:t>- 가입한 사람들끼리 온라인 </a:t>
-            </a:r>
-            <a:r>
-              <a:rPr lang="KO-KR" altLang="EN-US" sz="2800" dirty="0" err="1">
-                <a:solidFill>
-                  <a:srgbClr val="3F3F3F"/>
-                </a:solidFill>
-                <a:latin typeface="맑은 고딕"/>
-              </a:rPr>
-              <a:t>채팅기능</a:t>
-            </a:r>
-            <a:endParaRPr lang="ko-KR" altLang="EN-US" sz="2800" dirty="0" err="1">
+                  <a:schemeClr val="tx1">
+                    <a:lumMod val="85000"/>
+                    <a:lumOff val="15000"/>
+                  </a:schemeClr>
+                </a:solidFill>
+                <a:latin typeface="+mj-ea"/>
+                <a:ea typeface="+mj-ea"/>
+                <a:cs typeface="Arial" panose="020B0604020202020204" pitchFamily="34" charset="0"/>
+              </a:rPr>
+              <a:t>- 가입한 사람들끼리 온라인 채팅 기능</a:t>
+            </a:r>
+            <a:endParaRPr lang="ko-KR" altLang="EN-US" sz="2800" dirty="0">
               <a:solidFill>
-                <a:srgbClr val="3F3F3F"/>
+                <a:schemeClr val="tx1">
+                  <a:lumMod val="85000"/>
+                  <a:lumOff val="15000"/>
+                </a:schemeClr>
               </a:solidFill>
-              <a:latin typeface="맑은 고딕"/>
+              <a:latin typeface="+mj-ea"/>
+              <a:ea typeface="+mj-ea"/>
+              <a:cs typeface="Arial" panose="020B0604020202020204" pitchFamily="34" charset="0"/>
             </a:endParaRPr>
           </a:p>
           <a:p>
@@ -5514,11 +5542,16 @@
             <a:r>
               <a:rPr lang="KO-KR" altLang="EN-US" sz="2800" dirty="0">
                 <a:solidFill>
-                  <a:srgbClr val="3F3F3F"/>
-                </a:solidFill>
-                <a:latin typeface="맑은 고딕"/>
-              </a:rPr>
-              <a:t>- 게시판 사용(공지나 관련 글 게시)</a:t>
+                  <a:schemeClr val="tx1">
+                    <a:lumMod val="85000"/>
+                    <a:lumOff val="15000"/>
+                  </a:schemeClr>
+                </a:solidFill>
+                <a:latin typeface="+mj-ea"/>
+                <a:ea typeface="+mj-ea"/>
+                <a:cs typeface="Arial" panose="020B0604020202020204" pitchFamily="34" charset="0"/>
+              </a:rPr>
+              <a:t>- 게시판 사용 (공지나 관련 글 게시)</a:t>
             </a:r>
           </a:p>
           <a:p>
@@ -5530,12 +5563,28 @@
             <a:r>
               <a:rPr lang="KO-KR" altLang="EN-US" sz="2800" dirty="0">
                 <a:solidFill>
-                  <a:srgbClr val="3F3F3F"/>
-                </a:solidFill>
-                <a:latin typeface="맑은 고딕"/>
-              </a:rPr>
-              <a:t>- 앞으로의 모임 일정들 상세 내역 확인 및 참석 여부 체크 와 참석자 명단 확인</a:t>
-            </a:r>
+                  <a:schemeClr val="tx1">
+                    <a:lumMod val="85000"/>
+                    <a:lumOff val="15000"/>
+                  </a:schemeClr>
+                </a:solidFill>
+                <a:latin typeface="+mj-ea"/>
+                <a:ea typeface="+mj-ea"/>
+                <a:cs typeface="Arial" panose="020B0604020202020204" pitchFamily="34" charset="0"/>
+              </a:rPr>
+              <a:t>- 앞으로의 모임 일정들 상세 내역 확인 및 참석 여부 체크 와 참석자       </a:t>
+            </a:r>
+            <a:endParaRPr lang="en-US" altLang="ko-KR" sz="2800" dirty="0">
+              <a:solidFill>
+                <a:schemeClr val="tx1">
+                  <a:lumMod val="85000"/>
+                  <a:lumOff val="15000"/>
+                </a:schemeClr>
+              </a:solidFill>
+              <a:latin typeface="+mj-ea"/>
+              <a:ea typeface="+mj-ea"/>
+              <a:cs typeface="Arial" panose="020B0604020202020204" pitchFamily="34" charset="0"/>
+            </a:endParaRPr>
           </a:p>
           <a:p>
             <a:pPr>
@@ -5544,47 +5593,107 @@
               </a:lnSpc>
             </a:pPr>
             <a:r>
+              <a:rPr lang="en-US" altLang="ko-KR" sz="2800" dirty="0">
+                <a:solidFill>
+                  <a:schemeClr val="tx1">
+                    <a:lumMod val="85000"/>
+                    <a:lumOff val="15000"/>
+                  </a:schemeClr>
+                </a:solidFill>
+                <a:latin typeface="+mj-ea"/>
+                <a:ea typeface="+mj-ea"/>
+                <a:cs typeface="Arial" panose="020B0604020202020204" pitchFamily="34" charset="0"/>
+              </a:rPr>
+              <a:t>  </a:t>
+            </a:r>
+            <a:r>
               <a:rPr lang="KO-KR" altLang="EN-US" sz="2800" dirty="0">
                 <a:solidFill>
-                  <a:srgbClr val="3F3F3F"/>
-                </a:solidFill>
-                <a:latin typeface="맑은 고딕"/>
-              </a:rPr>
-              <a:t>- 파일 공유 서비스</a:t>
+                  <a:schemeClr val="tx1">
+                    <a:lumMod val="85000"/>
+                    <a:lumOff val="15000"/>
+                  </a:schemeClr>
+                </a:solidFill>
+                <a:latin typeface="+mj-ea"/>
+                <a:ea typeface="+mj-ea"/>
+                <a:cs typeface="Arial" panose="020B0604020202020204" pitchFamily="34" charset="0"/>
+              </a:rPr>
+              <a:t>명단 확인</a:t>
+            </a:r>
+          </a:p>
+          <a:p>
+            <a:pPr>
+              <a:lnSpc>
+                <a:spcPct val="150000"/>
+              </a:lnSpc>
+            </a:pPr>
+            <a:r>
+              <a:rPr lang="KO-KR" altLang="EN-US" sz="2800" dirty="0">
+                <a:solidFill>
+                  <a:schemeClr val="tx1">
+                    <a:lumMod val="85000"/>
+                    <a:lumOff val="15000"/>
+                  </a:schemeClr>
+                </a:solidFill>
+                <a:latin typeface="+mj-ea"/>
+                <a:ea typeface="+mj-ea"/>
+                <a:cs typeface="Arial" panose="020B0604020202020204" pitchFamily="34" charset="0"/>
+              </a:rPr>
+              <a:t>- 파일 공유 서비스 </a:t>
             </a:r>
             <a:r>
               <a:rPr lang="EN-US" altLang="KO-KR" sz="2800" dirty="0">
                 <a:solidFill>
-                  <a:srgbClr val="3F3F3F"/>
-                </a:solidFill>
-                <a:latin typeface="맑은 고딕"/>
+                  <a:schemeClr val="tx1">
+                    <a:lumMod val="85000"/>
+                    <a:lumOff val="15000"/>
+                  </a:schemeClr>
+                </a:solidFill>
+                <a:latin typeface="+mj-ea"/>
+                <a:ea typeface="+mj-ea"/>
+                <a:cs typeface="Arial" panose="020B0604020202020204" pitchFamily="34" charset="0"/>
               </a:rPr>
               <a:t>(AWS </a:t>
             </a:r>
             <a:r>
               <a:rPr lang="KO-KR" altLang="EN-US" sz="2800" dirty="0" err="1">
                 <a:solidFill>
-                  <a:srgbClr val="3F3F3F"/>
-                </a:solidFill>
-                <a:latin typeface="맑은 고딕"/>
+                  <a:schemeClr val="tx1">
+                    <a:lumMod val="85000"/>
+                    <a:lumOff val="15000"/>
+                  </a:schemeClr>
+                </a:solidFill>
+                <a:latin typeface="+mj-ea"/>
+                <a:ea typeface="+mj-ea"/>
+                <a:cs typeface="Arial" panose="020B0604020202020204" pitchFamily="34" charset="0"/>
               </a:rPr>
               <a:t>클라우드</a:t>
             </a:r>
             <a:r>
               <a:rPr lang="KO-KR" altLang="EN-US" sz="2800" dirty="0">
                 <a:solidFill>
-                  <a:srgbClr val="3F3F3F"/>
-                </a:solidFill>
-                <a:latin typeface="맑은 고딕"/>
+                  <a:schemeClr val="tx1">
+                    <a:lumMod val="85000"/>
+                    <a:lumOff val="15000"/>
+                  </a:schemeClr>
+                </a:solidFill>
+                <a:latin typeface="+mj-ea"/>
+                <a:ea typeface="+mj-ea"/>
+                <a:cs typeface="Arial" panose="020B0604020202020204" pitchFamily="34" charset="0"/>
               </a:rPr>
               <a:t> 활용</a:t>
             </a:r>
             <a:r>
               <a:rPr lang="EN-US" altLang="KO-KR" sz="2800" dirty="0">
                 <a:solidFill>
-                  <a:srgbClr val="3F3F3F"/>
-                </a:solidFill>
-                <a:latin typeface="맑은 고딕"/>
+                  <a:schemeClr val="tx1">
+                    <a:lumMod val="85000"/>
+                    <a:lumOff val="15000"/>
+                  </a:schemeClr>
+                </a:solidFill>
+                <a:latin typeface="+mj-ea"/>
+                <a:ea typeface="+mj-ea"/>
+                <a:cs typeface="Arial" panose="020B0604020202020204" pitchFamily="34" charset="0"/>
               </a:rPr>
               <a:t>)</a:t>
             </a:r>
@@ -5595,11 +5704,16 @@
                 <a:spcPct val="200000"/>
               </a:lnSpc>
             </a:pPr>
-            <a:endParaRPr lang="ko-KR" altLang="EN-US">
+            <a:endParaRPr lang="ko-KR" altLang="EN-US" dirty="0">
               <a:solidFill>
-                <a:srgbClr val="3F3F3F"/>
+                <a:schemeClr val="tx1">
+                  <a:lumMod val="85000"/>
+                  <a:lumOff val="15000"/>
+                </a:schemeClr>
               </a:solidFill>
-              <a:latin typeface="맑은 고딕"/>
+              <a:latin typeface="+mj-ea"/>
+              <a:ea typeface="+mj-ea"/>
+              <a:cs typeface="Arial" panose="020B0604020202020204" pitchFamily="34" charset="0"/>
             </a:endParaRPr>
           </a:p>
         </p:txBody>
@@ -5650,8 +5764,8 @@
         </p:nvSpPr>
         <p:spPr>
           <a:xfrm>
-            <a:off x="361950" y="390525"/>
-            <a:ext cx="10909300" cy="7602081"/>
+            <a:off x="361950" y="214460"/>
+            <a:ext cx="10909300" cy="7232749"/>
           </a:xfrm>
           <a:prstGeom prst="rect">
             <a:avLst/>
@@ -5666,7 +5780,10 @@
             <a:r>
               <a:rPr lang="KO-KR" altLang="EN-US" sz="2800" b="1" dirty="0">
                 <a:solidFill>
-                  <a:srgbClr val="3F3F3F"/>
+                  <a:schemeClr val="tx1">
+                    <a:lumMod val="85000"/>
+                    <a:lumOff val="15000"/>
+                  </a:schemeClr>
                 </a:solidFill>
                 <a:latin typeface="Arial"/>
                 <a:cs typeface="Arial"/>
@@ -5676,7 +5793,10 @@
             <a:r>
               <a:rPr lang="EN-US" altLang="KO-KR" sz="2800" b="1" dirty="0">
                 <a:solidFill>
-                  <a:srgbClr val="3F3F3F"/>
+                  <a:schemeClr val="tx1">
+                    <a:lumMod val="85000"/>
+                    <a:lumOff val="15000"/>
+                  </a:schemeClr>
                 </a:solidFill>
                 <a:latin typeface="Arial"/>
                 <a:cs typeface="Arial"/>
@@ -5688,7 +5808,10 @@
             <a:r>
               <a:rPr lang="KO-KR" altLang="EN-US" sz="2800" b="1" dirty="0">
                 <a:solidFill>
-                  <a:srgbClr val="3F3F3F"/>
+                  <a:schemeClr val="tx1">
+                    <a:lumMod val="85000"/>
+                    <a:lumOff val="15000"/>
+                  </a:schemeClr>
                 </a:solidFill>
                 <a:latin typeface="맑은 고딕"/>
                 <a:cs typeface="Arial"/>
@@ -5697,22 +5820,34 @@
             </a:r>
             <a:endParaRPr lang="ko-KR" altLang="EN-US" sz="2800" b="1" dirty="0">
               <a:solidFill>
-                <a:srgbClr val="3F3F3F"/>
+                <a:schemeClr val="tx1">
+                  <a:lumMod val="85000"/>
+                  <a:lumOff val="15000"/>
+                </a:schemeClr>
               </a:solidFill>
               <a:latin typeface="Arial"/>
               <a:cs typeface="Arial"/>
             </a:endParaRPr>
           </a:p>
           <a:p>
-            <a:endParaRPr lang="ko-KR" altLang="en-US" sz="2400" b="1">
+            <a:endParaRPr lang="ko-KR" altLang="en-US" sz="2400" b="1" dirty="0">
+              <a:solidFill>
+                <a:schemeClr val="tx1">
+                  <a:lumMod val="85000"/>
+                  <a:lumOff val="15000"/>
+                </a:schemeClr>
+              </a:solidFill>
               <a:latin typeface="Arial"/>
               <a:cs typeface="Arial"/>
             </a:endParaRPr>
           </a:p>
           <a:p>
-            <a:endParaRPr lang="ko-KR" altLang="en-US" sz="2400" b="1">
+            <a:endParaRPr lang="ko-KR" altLang="en-US" sz="2400" b="1" dirty="0">
               <a:solidFill>
-                <a:srgbClr val="3F3F3F"/>
+                <a:schemeClr val="tx1">
+                  <a:lumMod val="85000"/>
+                  <a:lumOff val="15000"/>
+                </a:schemeClr>
               </a:solidFill>
               <a:latin typeface="맑은 고딕"/>
               <a:cs typeface="Arial"/>
@@ -5722,7 +5857,10 @@
             <a:r>
               <a:rPr lang="KO-KR" altLang="EN-US" sz="2400" b="1" dirty="0">
                 <a:solidFill>
-                  <a:srgbClr val="3F3F3F"/>
+                  <a:schemeClr val="tx1">
+                    <a:lumMod val="85000"/>
+                    <a:lumOff val="15000"/>
+                  </a:schemeClr>
                 </a:solidFill>
                 <a:latin typeface="맑은 고딕"/>
                 <a:cs typeface="Arial"/>
@@ -5731,21 +5869,54 @@
             </a:r>
             <a:endParaRPr lang="ko-KR" altLang="en-US" sz="2400" b="1" dirty="0">
               <a:solidFill>
-                <a:srgbClr val="3F3F3F"/>
+                <a:schemeClr val="tx1">
+                  <a:lumMod val="85000"/>
+                  <a:lumOff val="15000"/>
+                </a:schemeClr>
               </a:solidFill>
               <a:latin typeface="맑은 고딕"/>
               <a:cs typeface="Arial"/>
             </a:endParaRPr>
           </a:p>
           <a:p>
-            <a:endParaRPr lang="ko-KR" altLang="EN-US" sz="2400" b="1">
+            <a:endParaRPr lang="ko-KR" altLang="EN-US" sz="2400" b="1" dirty="0">
+              <a:solidFill>
+                <a:schemeClr val="tx1">
+                  <a:lumMod val="85000"/>
+                  <a:lumOff val="15000"/>
+                </a:schemeClr>
+              </a:solidFill>
               <a:latin typeface="Arial"/>
               <a:cs typeface="Arial"/>
             </a:endParaRPr>
           </a:p>
           <a:p>
+            <a:pPr>
+              <a:lnSpc>
+                <a:spcPct val="120000"/>
+              </a:lnSpc>
+            </a:pPr>
+            <a:r>
+              <a:rPr lang="en-US" altLang="ko-KR" sz="2400" dirty="0">
+                <a:solidFill>
+                  <a:schemeClr val="tx1">
+                    <a:lumMod val="85000"/>
+                    <a:lumOff val="15000"/>
+                  </a:schemeClr>
+                </a:solidFill>
+                <a:latin typeface="맑은 고딕"/>
+                <a:cs typeface="Arial"/>
+              </a:rPr>
+              <a:t>- </a:t>
+            </a:r>
             <a:r>
               <a:rPr lang="KO-KR" altLang="EN-US" sz="2400" dirty="0">
+                <a:solidFill>
+                  <a:schemeClr val="tx1">
+                    <a:lumMod val="85000"/>
+                    <a:lumOff val="15000"/>
+                  </a:schemeClr>
+                </a:solidFill>
                 <a:latin typeface="맑은 고딕"/>
                 <a:cs typeface="Arial"/>
               </a:rPr>
@@ -5753,6 +5924,12 @@
             </a:r>
             <a:r>
               <a:rPr lang="KO-KR" altLang="en-US" sz="2400" dirty="0">
+                <a:solidFill>
+                  <a:schemeClr val="tx1">
+                    <a:lumMod val="85000"/>
+                    <a:lumOff val="15000"/>
+                  </a:schemeClr>
+                </a:solidFill>
                 <a:latin typeface="맑은 고딕"/>
                 <a:cs typeface="Arial"/>
               </a:rPr>
@@ -5760,145 +5937,377 @@
             </a:r>
             <a:r>
               <a:rPr lang="KO-KR" altLang="EN-US" sz="2400" dirty="0">
+                <a:solidFill>
+                  <a:schemeClr val="tx1">
+                    <a:lumMod val="85000"/>
+                    <a:lumOff val="15000"/>
+                  </a:schemeClr>
+                </a:solidFill>
                 <a:latin typeface="맑은 고딕"/>
                 <a:cs typeface="Arial"/>
               </a:rPr>
               <a:t>부족</a:t>
             </a:r>
             <a:endParaRPr lang="ko-KR" altLang="EN-US" sz="2400" dirty="0">
+              <a:solidFill>
+                <a:schemeClr val="tx1">
+                  <a:lumMod val="85000"/>
+                  <a:lumOff val="15000"/>
+                </a:schemeClr>
+              </a:solidFill>
               <a:latin typeface="맑은 고딕"/>
               <a:cs typeface="Arial"/>
             </a:endParaRPr>
           </a:p>
           <a:p>
+            <a:pPr>
+              <a:lnSpc>
+                <a:spcPct val="120000"/>
+              </a:lnSpc>
+            </a:pPr>
             <a:r>
               <a:rPr lang="KO-KR" altLang="EN-US" sz="2400" dirty="0">
-                <a:latin typeface="맑은 고딕"/>
-                <a:cs typeface="Arial"/>
-              </a:rPr>
-              <a:t>- 이웃 간의 층간 소음</a:t>
+                <a:solidFill>
+                  <a:schemeClr val="tx1">
+                    <a:lumMod val="85000"/>
+                    <a:lumOff val="15000"/>
+                  </a:schemeClr>
+                </a:solidFill>
+                <a:latin typeface="맑은 고딕"/>
+                <a:cs typeface="Arial"/>
+              </a:rPr>
+              <a:t>- </a:t>
+            </a:r>
+            <a:r>
+              <a:rPr lang="ko-KR" altLang="en-US" sz="2400" dirty="0">
+                <a:solidFill>
+                  <a:schemeClr val="tx1">
+                    <a:lumMod val="85000"/>
+                    <a:lumOff val="15000"/>
+                  </a:schemeClr>
+                </a:solidFill>
+                <a:latin typeface="맑은 고딕"/>
+                <a:cs typeface="Arial"/>
+              </a:rPr>
+              <a:t>민원 기능 </a:t>
+            </a:r>
+            <a:r>
+              <a:rPr lang="en-US" altLang="ko-KR" sz="2400" dirty="0">
+                <a:solidFill>
+                  <a:schemeClr val="tx1">
+                    <a:lumMod val="85000"/>
+                    <a:lumOff val="15000"/>
+                  </a:schemeClr>
+                </a:solidFill>
+                <a:latin typeface="맑은 고딕"/>
+                <a:cs typeface="Arial"/>
+              </a:rPr>
+              <a:t>(</a:t>
+            </a:r>
+            <a:r>
+              <a:rPr lang="KO-KR" altLang="EN-US" sz="2400" dirty="0">
+                <a:solidFill>
+                  <a:schemeClr val="tx1">
+                    <a:lumMod val="85000"/>
+                    <a:lumOff val="15000"/>
+                  </a:schemeClr>
+                </a:solidFill>
+                <a:latin typeface="맑은 고딕"/>
+                <a:cs typeface="Arial"/>
+              </a:rPr>
+              <a:t>이웃 간의 층간 소음 </a:t>
+            </a:r>
+            <a:r>
+              <a:rPr lang="en-US" altLang="ko-KR" sz="2400" dirty="0">
+                <a:solidFill>
+                  <a:schemeClr val="tx1">
+                    <a:lumMod val="85000"/>
+                    <a:lumOff val="15000"/>
+                  </a:schemeClr>
+                </a:solidFill>
+                <a:latin typeface="맑은 고딕"/>
+                <a:cs typeface="Arial"/>
+              </a:rPr>
+              <a:t>/ </a:t>
+            </a:r>
+            <a:r>
+              <a:rPr lang="KO-KR" altLang="EN-US" sz="2400" dirty="0">
+                <a:solidFill>
+                  <a:schemeClr val="tx1">
+                    <a:lumMod val="85000"/>
+                    <a:lumOff val="15000"/>
+                  </a:schemeClr>
+                </a:solidFill>
+                <a:latin typeface="맑은 고딕"/>
+                <a:cs typeface="Arial"/>
+              </a:rPr>
+              <a:t> 주차 </a:t>
+            </a:r>
+            <a:r>
+              <a:rPr lang="ko-KR" altLang="en-US" sz="2400" dirty="0">
+                <a:solidFill>
+                  <a:schemeClr val="tx1">
+                    <a:lumMod val="85000"/>
+                    <a:lumOff val="15000"/>
+                  </a:schemeClr>
+                </a:solidFill>
+                <a:latin typeface="맑은 고딕"/>
+                <a:cs typeface="Arial"/>
+              </a:rPr>
+              <a:t>및 방문차량</a:t>
+            </a:r>
+            <a:r>
+              <a:rPr lang="KO-KR" altLang="EN-US" sz="2400" dirty="0">
+                <a:solidFill>
+                  <a:schemeClr val="tx1">
+                    <a:lumMod val="85000"/>
+                    <a:lumOff val="15000"/>
+                  </a:schemeClr>
+                </a:solidFill>
+                <a:latin typeface="맑은 고딕"/>
+                <a:cs typeface="Arial"/>
+              </a:rPr>
+              <a:t> 문제</a:t>
+            </a:r>
+            <a:r>
+              <a:rPr lang="en-US" altLang="ko-KR" sz="2400" dirty="0">
+                <a:solidFill>
+                  <a:schemeClr val="tx1">
+                    <a:lumMod val="85000"/>
+                    <a:lumOff val="15000"/>
+                  </a:schemeClr>
+                </a:solidFill>
+                <a:latin typeface="맑은 고딕"/>
+                <a:cs typeface="Arial"/>
+              </a:rPr>
+              <a:t>)</a:t>
             </a:r>
             <a:endParaRPr lang="ko-KR" altLang="EN-US" sz="2400" dirty="0">
+              <a:solidFill>
+                <a:schemeClr val="tx1">
+                  <a:lumMod val="85000"/>
+                  <a:lumOff val="15000"/>
+                </a:schemeClr>
+              </a:solidFill>
               <a:latin typeface="맑은 고딕"/>
               <a:cs typeface="Arial"/>
             </a:endParaRPr>
           </a:p>
           <a:p>
+            <a:pPr>
+              <a:lnSpc>
+                <a:spcPct val="120000"/>
+              </a:lnSpc>
+            </a:pPr>
             <a:r>
               <a:rPr lang="KO-KR" altLang="EN-US" sz="2400" dirty="0">
-                <a:latin typeface="맑은 고딕"/>
-                <a:cs typeface="Arial"/>
-              </a:rPr>
-              <a:t>- 주차 문제</a:t>
+                <a:solidFill>
+                  <a:schemeClr val="tx1">
+                    <a:lumMod val="85000"/>
+                    <a:lumOff val="15000"/>
+                  </a:schemeClr>
+                </a:solidFill>
+                <a:latin typeface="맑은 고딕"/>
+                <a:cs typeface="Arial"/>
+              </a:rPr>
+              <a:t>- 부재 시 놓치게 되는 관리실 방송 </a:t>
             </a:r>
             <a:endParaRPr lang="ko-KR" altLang="EN-US" sz="2400" dirty="0">
+              <a:solidFill>
+                <a:schemeClr val="tx1">
+                  <a:lumMod val="85000"/>
+                  <a:lumOff val="15000"/>
+                </a:schemeClr>
+              </a:solidFill>
               <a:latin typeface="맑은 고딕"/>
               <a:cs typeface="Arial"/>
             </a:endParaRPr>
           </a:p>
           <a:p>
-            <a:r>
-              <a:rPr lang="KO-KR" altLang="EN-US" sz="2400" dirty="0">
-                <a:latin typeface="맑은 고딕"/>
-                <a:cs typeface="Arial"/>
-              </a:rPr>
-              <a:t>- 부재 시 놓치게 되는 관리실 방송 </a:t>
-            </a:r>
-            <a:endParaRPr lang="ko-KR" altLang="EN-US" sz="2400" dirty="0">
+            <a:endParaRPr lang="ko-KR" altLang="en-US" sz="2400" dirty="0">
+              <a:solidFill>
+                <a:schemeClr val="tx1">
+                  <a:lumMod val="85000"/>
+                  <a:lumOff val="15000"/>
+                </a:schemeClr>
+              </a:solidFill>
               <a:latin typeface="맑은 고딕"/>
               <a:cs typeface="Arial"/>
             </a:endParaRPr>
           </a:p>
           <a:p>
-            <a:endParaRPr lang="ko-KR" altLang="en-US" sz="2400">
+            <a:endParaRPr lang="ko-KR" altLang="en-US" sz="2400" dirty="0">
+              <a:solidFill>
+                <a:schemeClr val="tx1">
+                  <a:lumMod val="85000"/>
+                  <a:lumOff val="15000"/>
+                </a:schemeClr>
+              </a:solidFill>
               <a:latin typeface="맑은 고딕"/>
               <a:cs typeface="Arial"/>
             </a:endParaRPr>
           </a:p>
           <a:p>
-            <a:endParaRPr lang="ko-KR" altLang="en-US" sz="2400">
+            <a:r>
+              <a:rPr lang="KO-KR" altLang="EN-US" sz="2400" b="1" dirty="0">
+                <a:solidFill>
+                  <a:schemeClr val="tx1">
+                    <a:lumMod val="85000"/>
+                    <a:lumOff val="15000"/>
+                  </a:schemeClr>
+                </a:solidFill>
+                <a:latin typeface="맑은 고딕"/>
+                <a:cs typeface="Arial"/>
+              </a:rPr>
+              <a:t>해결 방안</a:t>
+            </a:r>
+            <a:endParaRPr lang="ko-KR" altLang="en-US" sz="2400" b="1" dirty="0">
+              <a:solidFill>
+                <a:schemeClr val="tx1">
+                  <a:lumMod val="85000"/>
+                  <a:lumOff val="15000"/>
+                </a:schemeClr>
+              </a:solidFill>
               <a:latin typeface="맑은 고딕"/>
               <a:cs typeface="Arial"/>
             </a:endParaRPr>
           </a:p>
           <a:p>
-            <a:r>
-              <a:rPr lang="KO-KR" altLang="EN-US" sz="2400" b="1" dirty="0">
-                <a:latin typeface="맑은 고딕"/>
-                <a:cs typeface="Arial"/>
-              </a:rPr>
-              <a:t>해결 방안</a:t>
-            </a:r>
-            <a:endParaRPr lang="ko-KR" altLang="en-US" sz="2400" b="1" dirty="0">
+            <a:endParaRPr lang="ko-KR" altLang="en-US" sz="2400" dirty="0">
+              <a:solidFill>
+                <a:schemeClr val="tx1">
+                  <a:lumMod val="85000"/>
+                  <a:lumOff val="15000"/>
+                </a:schemeClr>
+              </a:solidFill>
               <a:latin typeface="맑은 고딕"/>
               <a:cs typeface="Arial"/>
             </a:endParaRPr>
           </a:p>
           <a:p>
-            <a:endParaRPr lang="ko-KR" altLang="en-US" sz="2400">
+            <a:pPr>
+              <a:lnSpc>
+                <a:spcPct val="120000"/>
+              </a:lnSpc>
+            </a:pPr>
+            <a:r>
+              <a:rPr lang="KO-KR" altLang="EN-US" sz="2400" dirty="0">
+                <a:solidFill>
+                  <a:schemeClr val="tx1">
+                    <a:lumMod val="85000"/>
+                    <a:lumOff val="15000"/>
+                  </a:schemeClr>
+                </a:solidFill>
+                <a:latin typeface="맑은 고딕"/>
+                <a:cs typeface="Arial"/>
+              </a:rPr>
+              <a:t>- 관리실과 주민들이 원활히 소통할 수 있는 웹 커뮤니티 </a:t>
+            </a:r>
+            <a:r>
+              <a:rPr lang="KO-KR" altLang="en-US" sz="2400" dirty="0">
+                <a:solidFill>
+                  <a:schemeClr val="tx1">
+                    <a:lumMod val="85000"/>
+                    <a:lumOff val="15000"/>
+                  </a:schemeClr>
+                </a:solidFill>
+                <a:latin typeface="맑은 고딕"/>
+                <a:cs typeface="Arial"/>
+              </a:rPr>
+              <a:t>사이트</a:t>
+            </a:r>
+            <a:r>
+              <a:rPr lang="KO-KR" altLang="EN-US" sz="2400" dirty="0">
+                <a:solidFill>
+                  <a:schemeClr val="tx1">
+                    <a:lumMod val="85000"/>
+                    <a:lumOff val="15000"/>
+                  </a:schemeClr>
+                </a:solidFill>
+                <a:latin typeface="맑은 고딕"/>
+                <a:cs typeface="Arial"/>
+              </a:rPr>
+              <a:t> 구현</a:t>
+            </a:r>
+          </a:p>
+          <a:p>
+            <a:pPr>
+              <a:lnSpc>
+                <a:spcPct val="120000"/>
+              </a:lnSpc>
+            </a:pPr>
+            <a:r>
+              <a:rPr lang="KO-KR" altLang="EN-US" sz="2400" dirty="0">
+                <a:solidFill>
+                  <a:schemeClr val="tx1">
+                    <a:lumMod val="85000"/>
+                    <a:lumOff val="15000"/>
+                  </a:schemeClr>
+                </a:solidFill>
+                <a:latin typeface="맑은 고딕"/>
+                <a:cs typeface="Arial"/>
+              </a:rPr>
+              <a:t>- 각종 공과금 조회 </a:t>
+            </a:r>
+            <a:endParaRPr lang="ko-KR" altLang="EN-US" sz="2400" dirty="0">
+              <a:solidFill>
+                <a:schemeClr val="tx1">
+                  <a:lumMod val="85000"/>
+                  <a:lumOff val="15000"/>
+                </a:schemeClr>
+              </a:solidFill>
               <a:latin typeface="맑은 고딕"/>
               <a:cs typeface="Arial"/>
             </a:endParaRPr>
           </a:p>
           <a:p>
             <a:r>
-              <a:rPr lang="KO-KR" altLang="EN-US" sz="2400" dirty="0">
-                <a:latin typeface="맑은 고딕"/>
-                <a:cs typeface="Arial"/>
-              </a:rPr>
-              <a:t>- 관리실과 주민들이 원활히 소통할 수 있는 웹 커뮤니티 </a:t>
-            </a:r>
-            <a:r>
-              <a:rPr lang="KO-KR" altLang="en-US" sz="2400" dirty="0">
-                <a:latin typeface="맑은 고딕"/>
-                <a:cs typeface="Arial"/>
-              </a:rPr>
-              <a:t>사이트</a:t>
-            </a:r>
-            <a:r>
-              <a:rPr lang="KO-KR" altLang="EN-US" sz="2400" dirty="0">
-                <a:latin typeface="맑은 고딕"/>
-                <a:cs typeface="Arial"/>
-              </a:rPr>
-              <a:t> 구현</a:t>
-            </a:r>
-          </a:p>
-          <a:p>
-            <a:r>
-              <a:rPr lang="KO-KR" altLang="EN-US" sz="2400" dirty="0">
-                <a:latin typeface="맑은 고딕"/>
-                <a:cs typeface="Arial"/>
-              </a:rPr>
-              <a:t>- 각종 공과금 조회 및 납부 </a:t>
-            </a:r>
-          </a:p>
-          <a:p>
-            <a:r>
-              <a:rPr lang="KO-KR" altLang="EN-US" sz="2400" dirty="0">
-                <a:latin typeface="맑은 고딕"/>
-                <a:cs typeface="Arial"/>
-              </a:rPr>
-              <a:t>- </a:t>
-            </a:r>
-            <a:endParaRPr lang="ko-KR" altLang="EN-US" sz="2400" dirty="0">
+              <a:rPr lang="en-US" altLang="ko-KR" sz="2400" dirty="0">
+                <a:solidFill>
+                  <a:schemeClr val="tx1">
+                    <a:lumMod val="85000"/>
+                    <a:lumOff val="15000"/>
+                  </a:schemeClr>
+                </a:solidFill>
+                <a:latin typeface="맑은 고딕"/>
+                <a:cs typeface="Arial"/>
+              </a:rPr>
+              <a:t>- </a:t>
+            </a:r>
+            <a:r>
+              <a:rPr lang="ko-KR" altLang="en-US" sz="2400" dirty="0">
+                <a:solidFill>
+                  <a:schemeClr val="tx1">
+                    <a:lumMod val="85000"/>
+                    <a:lumOff val="15000"/>
+                  </a:schemeClr>
+                </a:solidFill>
+                <a:latin typeface="맑은 고딕"/>
+                <a:cs typeface="Arial"/>
+              </a:rPr>
+              <a:t>주민 투표 기능</a:t>
+            </a:r>
+          </a:p>
+          <a:p>
+            <a:endParaRPr lang="ko-KR" altLang="en-US" sz="2400" dirty="0">
+              <a:solidFill>
+                <a:schemeClr val="tx1">
+                  <a:lumMod val="85000"/>
+                  <a:lumOff val="15000"/>
+                </a:schemeClr>
+              </a:solidFill>
               <a:latin typeface="맑은 고딕"/>
               <a:cs typeface="Arial"/>
             </a:endParaRPr>
           </a:p>
           <a:p>
-            <a:endParaRPr lang="ko-KR" altLang="en-US" sz="2400">
-              <a:latin typeface="맑은 고딕"/>
-              <a:cs typeface="Arial"/>
-            </a:endParaRPr>
-          </a:p>
-          <a:p>
-            <a:endParaRPr lang="ko-KR" altLang="en-US" sz="2400">
-              <a:latin typeface="맑은 고딕"/>
-              <a:cs typeface="Arial"/>
-            </a:endParaRPr>
-          </a:p>
-          <a:p>
-            <a:endParaRPr lang="KO-KR" altLang="KO-KR" sz="2400">
+            <a:endParaRPr lang="KO-KR" altLang="KO-KR" sz="2400" dirty="0">
+              <a:solidFill>
+                <a:schemeClr val="tx1">
+                  <a:lumMod val="85000"/>
+                  <a:lumOff val="15000"/>
+                </a:schemeClr>
+              </a:solidFill>
               <a:latin typeface="맑은 고딕"/>
               <a:cs typeface="Arial"/>
             </a:endParaRPr>
@@ -5951,8 +6360,8 @@
         </p:nvSpPr>
         <p:spPr>
           <a:xfrm>
-            <a:off x="361950" y="390525"/>
-            <a:ext cx="10909300" cy="7602081"/>
+            <a:off x="361950" y="134947"/>
+            <a:ext cx="10909300" cy="6863417"/>
           </a:xfrm>
           <a:prstGeom prst="rect">
             <a:avLst/>
@@ -5967,7 +6376,10 @@
             <a:r>
               <a:rPr lang="KO-KR" altLang="EN-US" sz="2800" b="1" dirty="0">
                 <a:solidFill>
-                  <a:srgbClr val="3F3F3F"/>
+                  <a:schemeClr val="tx1">
+                    <a:lumMod val="85000"/>
+                    <a:lumOff val="15000"/>
+                  </a:schemeClr>
                 </a:solidFill>
                 <a:latin typeface="Arial"/>
                 <a:cs typeface="Arial"/>
@@ -5977,7 +6389,10 @@
             <a:r>
               <a:rPr lang="EN-US" altLang="KO-KR" sz="2800" b="1" dirty="0">
                 <a:solidFill>
-                  <a:srgbClr val="3F3F3F"/>
+                  <a:schemeClr val="tx1">
+                    <a:lumMod val="85000"/>
+                    <a:lumOff val="15000"/>
+                  </a:schemeClr>
                 </a:solidFill>
                 <a:latin typeface="Arial"/>
                 <a:cs typeface="Arial"/>
@@ -5987,19 +6402,38 @@
           </a:p>
           <a:p>
             <a:r>
+              <a:rPr lang="KO-KR" altLang="EN-US" sz="2800" b="1" dirty="0" err="1">
+                <a:solidFill>
+                  <a:schemeClr val="tx1">
+                    <a:lumMod val="85000"/>
+                    <a:lumOff val="15000"/>
+                  </a:schemeClr>
+                </a:solidFill>
+                <a:latin typeface="맑은 고딕"/>
+                <a:cs typeface="Arial"/>
+              </a:rPr>
+              <a:t>Language</a:t>
+            </a:r>
+            <a:r>
               <a:rPr lang="KO-KR" altLang="EN-US" sz="2800" b="1" dirty="0">
                 <a:solidFill>
-                  <a:srgbClr val="3F3F3F"/>
-                </a:solidFill>
-                <a:latin typeface="맑은 고딕"/>
-                <a:cs typeface="Arial"/>
-              </a:rPr>
-              <a:t>Language </a:t>
+                  <a:schemeClr val="tx1">
+                    <a:lumMod val="85000"/>
+                    <a:lumOff val="15000"/>
+                  </a:schemeClr>
+                </a:solidFill>
+                <a:latin typeface="맑은 고딕"/>
+                <a:cs typeface="Arial"/>
+              </a:rPr>
+              <a:t> </a:t>
             </a:r>
             <a:r>
               <a:rPr lang="EN-US" altLang="KO-KR" sz="2800" b="1" dirty="0">
                 <a:solidFill>
-                  <a:srgbClr val="3F3F3F"/>
+                  <a:schemeClr val="tx1">
+                    <a:lumMod val="85000"/>
+                    <a:lumOff val="15000"/>
+                  </a:schemeClr>
                 </a:solidFill>
                 <a:latin typeface="맑은 고딕"/>
                 <a:cs typeface="Arial"/>
@@ -6008,15 +6442,12 @@
             </a:r>
           </a:p>
           <a:p>
-            <a:endParaRPr lang="ko-KR" altLang="en-US" sz="2400" b="1">
-              <a:latin typeface="Arial"/>
-              <a:cs typeface="Arial"/>
-            </a:endParaRPr>
-          </a:p>
-          <a:p>
-            <a:endParaRPr lang="ko-KR" altLang="en-US" sz="2400" b="1">
+            <a:endParaRPr lang="ko-KR" altLang="en-US" sz="2400" b="1" dirty="0">
               <a:solidFill>
-                <a:srgbClr val="3F3F3F"/>
+                <a:schemeClr val="tx1">
+                  <a:lumMod val="85000"/>
+                  <a:lumOff val="15000"/>
+                </a:schemeClr>
               </a:solidFill>
               <a:latin typeface="맑은 고딕"/>
               <a:cs typeface="Arial"/>
@@ -6026,183 +6457,502 @@
             <a:r>
               <a:rPr lang="KO-KR" altLang="EN-US" sz="2400" b="1" dirty="0">
                 <a:solidFill>
-                  <a:srgbClr val="3F3F3F"/>
+                  <a:schemeClr val="tx1">
+                    <a:lumMod val="85000"/>
+                    <a:lumOff val="15000"/>
+                  </a:schemeClr>
                 </a:solidFill>
                 <a:latin typeface="맑은 고딕"/>
                 <a:cs typeface="Arial"/>
               </a:rPr>
               <a:t>문제점</a:t>
             </a:r>
-            <a:endParaRPr lang="ko-KR" altLang="en-US" sz="2400" b="1" dirty="0">
+            <a:endParaRPr lang="en-US" altLang="ko-KR" sz="2400" b="1" dirty="0">
               <a:solidFill>
-                <a:srgbClr val="3F3F3F"/>
+                <a:schemeClr val="tx1">
+                  <a:lumMod val="85000"/>
+                  <a:lumOff val="15000"/>
+                </a:schemeClr>
               </a:solidFill>
               <a:latin typeface="맑은 고딕"/>
               <a:cs typeface="Arial"/>
             </a:endParaRPr>
           </a:p>
           <a:p>
-            <a:endParaRPr lang="ko-KR" altLang="EN-US" sz="2400" b="1">
+            <a:endParaRPr lang="ko-KR" altLang="en-US" sz="2400" b="1" dirty="0">
+              <a:solidFill>
+                <a:schemeClr val="tx1">
+                  <a:lumMod val="85000"/>
+                  <a:lumOff val="15000"/>
+                </a:schemeClr>
+              </a:solidFill>
+              <a:latin typeface="맑은 고딕"/>
+              <a:cs typeface="Arial"/>
+            </a:endParaRPr>
+          </a:p>
+          <a:p>
+            <a:r>
+              <a:rPr lang="en-US" altLang="ko-KR" sz="2400" dirty="0">
+                <a:solidFill>
+                  <a:schemeClr val="tx1">
+                    <a:lumMod val="85000"/>
+                    <a:lumOff val="15000"/>
+                  </a:schemeClr>
+                </a:solidFill>
+                <a:latin typeface="Arial"/>
+                <a:cs typeface="Arial"/>
+              </a:rPr>
+              <a:t>-</a:t>
+            </a:r>
+            <a:r>
+              <a:rPr lang="ko-KR" altLang="en-US" sz="2400" dirty="0">
+                <a:solidFill>
+                  <a:schemeClr val="tx1">
+                    <a:lumMod val="85000"/>
+                    <a:lumOff val="15000"/>
+                  </a:schemeClr>
+                </a:solidFill>
+                <a:latin typeface="Arial"/>
+                <a:cs typeface="Arial"/>
+              </a:rPr>
+              <a:t> </a:t>
+            </a:r>
+            <a:r>
+              <a:rPr lang="ko-KR" altLang="en-US" sz="2400" dirty="0">
+                <a:solidFill>
+                  <a:schemeClr val="tx1">
+                    <a:lumMod val="85000"/>
+                    <a:lumOff val="15000"/>
+                  </a:schemeClr>
+                </a:solidFill>
+                <a:latin typeface="Arial"/>
+                <a:cs typeface="Arial"/>
+              </a:rPr>
+              <a:t>외국인 친구를 사귈 기회와 대화할 기회가 적다</a:t>
+            </a:r>
+            <a:r>
+              <a:rPr lang="en-US" altLang="ko-KR" sz="2400" dirty="0">
+                <a:solidFill>
+                  <a:schemeClr val="tx1">
+                    <a:lumMod val="85000"/>
+                    <a:lumOff val="15000"/>
+                  </a:schemeClr>
+                </a:solidFill>
+                <a:latin typeface="Arial"/>
+                <a:cs typeface="Arial"/>
+              </a:rPr>
+              <a:t>. </a:t>
+            </a:r>
+            <a:endParaRPr lang="en-US" altLang="ko-KR" sz="2400" dirty="0">
+              <a:solidFill>
+                <a:schemeClr val="tx1">
+                  <a:lumMod val="85000"/>
+                  <a:lumOff val="15000"/>
+                </a:schemeClr>
+              </a:solidFill>
               <a:latin typeface="Arial"/>
               <a:cs typeface="Arial"/>
             </a:endParaRPr>
           </a:p>
           <a:p>
             <a:r>
-              <a:rPr lang="KO-KR" altLang="EN-US" sz="2400" dirty="0">
-                <a:latin typeface="맑은 고딕"/>
-                <a:cs typeface="Arial"/>
-              </a:rPr>
-              <a:t>관리실과 주민들간의 소통 부재 또는 이웃 주민들 간의 의사 소통</a:t>
-            </a:r>
-            <a:r>
-              <a:rPr lang="KO-KR" altLang="en-US" sz="2400" dirty="0">
-                <a:latin typeface="맑은 고딕"/>
-                <a:cs typeface="Arial"/>
-              </a:rPr>
-              <a:t> </a:t>
-            </a:r>
-            <a:r>
-              <a:rPr lang="KO-KR" altLang="EN-US" sz="2400" dirty="0">
-                <a:latin typeface="맑은 고딕"/>
-                <a:cs typeface="Arial"/>
-              </a:rPr>
-              <a:t>부족</a:t>
-            </a:r>
-            <a:endParaRPr lang="ko-KR" altLang="EN-US" sz="2400" dirty="0">
+              <a:rPr lang="en-US" altLang="ko-KR" sz="2400" dirty="0">
+                <a:solidFill>
+                  <a:schemeClr val="tx1">
+                    <a:lumMod val="85000"/>
+                    <a:lumOff val="15000"/>
+                  </a:schemeClr>
+                </a:solidFill>
+                <a:latin typeface="Arial"/>
+                <a:cs typeface="Arial"/>
+              </a:rPr>
+              <a:t>-</a:t>
+            </a:r>
+            <a:r>
+              <a:rPr lang="ko-KR" altLang="en-US" sz="2400" dirty="0">
+                <a:solidFill>
+                  <a:schemeClr val="tx1">
+                    <a:lumMod val="85000"/>
+                    <a:lumOff val="15000"/>
+                  </a:schemeClr>
+                </a:solidFill>
+                <a:latin typeface="Arial"/>
+                <a:cs typeface="Arial"/>
+              </a:rPr>
+              <a:t> 교과서적인 언어 보다는 실생활 언어를 배우고 싶다</a:t>
+            </a:r>
+            <a:r>
+              <a:rPr lang="en-US" altLang="ko-KR" sz="2400" dirty="0">
+                <a:solidFill>
+                  <a:schemeClr val="tx1">
+                    <a:lumMod val="85000"/>
+                    <a:lumOff val="15000"/>
+                  </a:schemeClr>
+                </a:solidFill>
+                <a:latin typeface="Arial"/>
+                <a:cs typeface="Arial"/>
+              </a:rPr>
+              <a:t>. 	</a:t>
+            </a:r>
+            <a:endParaRPr lang="ko-KR" altLang="en-US" sz="2400" dirty="0">
+              <a:solidFill>
+                <a:schemeClr val="tx1">
+                  <a:lumMod val="85000"/>
+                  <a:lumOff val="15000"/>
+                </a:schemeClr>
+              </a:solidFill>
               <a:latin typeface="맑은 고딕"/>
               <a:cs typeface="Arial"/>
             </a:endParaRPr>
           </a:p>
           <a:p>
             <a:r>
-              <a:rPr lang="KO-KR" altLang="EN-US" sz="2400" dirty="0">
-                <a:latin typeface="맑은 고딕"/>
-                <a:cs typeface="Arial"/>
-              </a:rPr>
-              <a:t>- 이웃 간의 층간 소음</a:t>
-            </a:r>
-            <a:endParaRPr lang="ko-KR" altLang="EN-US" sz="2400" dirty="0">
+              <a:rPr lang="en-US" altLang="ko-KR" sz="2400" dirty="0">
+                <a:solidFill>
+                  <a:schemeClr val="tx1">
+                    <a:lumMod val="85000"/>
+                    <a:lumOff val="15000"/>
+                  </a:schemeClr>
+                </a:solidFill>
+                <a:latin typeface="맑은 고딕"/>
+                <a:cs typeface="Arial"/>
+              </a:rPr>
+              <a:t> 	</a:t>
+            </a:r>
+            <a:endParaRPr lang="ko-KR" altLang="en-US" sz="2400" dirty="0">
+              <a:solidFill>
+                <a:schemeClr val="tx1">
+                  <a:lumMod val="85000"/>
+                  <a:lumOff val="15000"/>
+                </a:schemeClr>
+              </a:solidFill>
               <a:latin typeface="맑은 고딕"/>
               <a:cs typeface="Arial"/>
             </a:endParaRPr>
           </a:p>
           <a:p>
             <a:r>
-              <a:rPr lang="KO-KR" altLang="EN-US" sz="2400" dirty="0">
-                <a:latin typeface="맑은 고딕"/>
-                <a:cs typeface="Arial"/>
-              </a:rPr>
-              <a:t>- 주차 문제</a:t>
-            </a:r>
-            <a:endParaRPr lang="ko-KR" altLang="EN-US" sz="2400" dirty="0">
+              <a:rPr lang="KO-KR" altLang="EN-US" sz="2400" b="1" dirty="0">
+                <a:solidFill>
+                  <a:schemeClr val="tx1">
+                    <a:lumMod val="85000"/>
+                    <a:lumOff val="15000"/>
+                  </a:schemeClr>
+                </a:solidFill>
+                <a:latin typeface="맑은 고딕"/>
+                <a:cs typeface="Arial"/>
+              </a:rPr>
+              <a:t>해결 방안</a:t>
+            </a:r>
+            <a:r>
+              <a:rPr lang="en-US" altLang="ko-KR" sz="2400" dirty="0">
+                <a:solidFill>
+                  <a:schemeClr val="tx1">
+                    <a:lumMod val="85000"/>
+                    <a:lumOff val="15000"/>
+                  </a:schemeClr>
+                </a:solidFill>
+                <a:latin typeface="맑은 고딕"/>
+                <a:cs typeface="Arial"/>
+              </a:rPr>
+              <a:t>   </a:t>
+            </a:r>
+          </a:p>
+          <a:p>
+            <a:r>
+              <a:rPr lang="en-US" altLang="ko-KR" sz="2400" dirty="0">
+                <a:solidFill>
+                  <a:schemeClr val="tx1">
+                    <a:lumMod val="85000"/>
+                    <a:lumOff val="15000"/>
+                  </a:schemeClr>
+                </a:solidFill>
+                <a:latin typeface="맑은 고딕"/>
+                <a:cs typeface="Arial"/>
+              </a:rPr>
+              <a:t>     </a:t>
+            </a:r>
+          </a:p>
+          <a:p>
+            <a:r>
+              <a:rPr lang="en-US" altLang="ko-KR" sz="2400" dirty="0">
+                <a:solidFill>
+                  <a:schemeClr val="tx1">
+                    <a:lumMod val="85000"/>
+                    <a:lumOff val="15000"/>
+                  </a:schemeClr>
+                </a:solidFill>
+                <a:latin typeface="맑은 고딕"/>
+                <a:cs typeface="Arial"/>
+              </a:rPr>
+              <a:t>- </a:t>
+            </a:r>
+            <a:r>
+              <a:rPr lang="ko-KR" altLang="en-US" sz="2400" dirty="0">
+                <a:solidFill>
+                  <a:schemeClr val="tx1">
+                    <a:lumMod val="85000"/>
+                    <a:lumOff val="15000"/>
+                  </a:schemeClr>
+                </a:solidFill>
+                <a:latin typeface="맑은 고딕"/>
+                <a:cs typeface="Arial"/>
+              </a:rPr>
+              <a:t>가입 시 관심 언어 입력</a:t>
+            </a:r>
+          </a:p>
+          <a:p>
+            <a:r>
+              <a:rPr lang="en-US" altLang="ko-KR" sz="2400" dirty="0">
+                <a:solidFill>
+                  <a:schemeClr val="tx1">
+                    <a:lumMod val="85000"/>
+                    <a:lumOff val="15000"/>
+                  </a:schemeClr>
+                </a:solidFill>
+                <a:latin typeface="맑은 고딕"/>
+                <a:cs typeface="Arial"/>
+              </a:rPr>
+              <a:t>- </a:t>
+            </a:r>
+            <a:r>
+              <a:rPr lang="ko-KR" altLang="en-US" sz="2400" dirty="0">
+                <a:solidFill>
+                  <a:schemeClr val="tx1">
+                    <a:lumMod val="85000"/>
+                    <a:lumOff val="15000"/>
+                  </a:schemeClr>
+                </a:solidFill>
+                <a:latin typeface="맑은 고딕"/>
+                <a:cs typeface="Arial"/>
+              </a:rPr>
+              <a:t>서로의 언어를 배우고자 하는 외국인 친구들과 매칭</a:t>
+            </a:r>
+            <a:endParaRPr lang="en-US" altLang="ko-KR" sz="2400" dirty="0">
+              <a:solidFill>
+                <a:schemeClr val="tx1">
+                  <a:lumMod val="85000"/>
+                  <a:lumOff val="15000"/>
+                </a:schemeClr>
+              </a:solidFill>
               <a:latin typeface="맑은 고딕"/>
               <a:cs typeface="Arial"/>
             </a:endParaRPr>
           </a:p>
           <a:p>
             <a:r>
-              <a:rPr lang="KO-KR" altLang="EN-US" sz="2400" dirty="0">
-                <a:latin typeface="맑은 고딕"/>
-                <a:cs typeface="Arial"/>
-              </a:rPr>
-              <a:t>- 부재 시 놓치게 되는 관리실 방송 </a:t>
-            </a:r>
-            <a:endParaRPr lang="ko-KR" altLang="EN-US" sz="2400" dirty="0">
+              <a:rPr lang="ko-KR" altLang="en-US" sz="2400" dirty="0">
+                <a:solidFill>
+                  <a:schemeClr val="tx1">
+                    <a:lumMod val="85000"/>
+                    <a:lumOff val="15000"/>
+                  </a:schemeClr>
+                </a:solidFill>
+                <a:latin typeface="맑은 고딕"/>
+                <a:cs typeface="Arial"/>
+              </a:rPr>
+              <a:t>    </a:t>
+            </a:r>
+            <a:endParaRPr lang="en-US" altLang="ko-KR" sz="2400" dirty="0">
+              <a:solidFill>
+                <a:schemeClr val="tx1">
+                  <a:lumMod val="85000"/>
+                  <a:lumOff val="15000"/>
+                </a:schemeClr>
+              </a:solidFill>
               <a:latin typeface="맑은 고딕"/>
               <a:cs typeface="Arial"/>
             </a:endParaRPr>
           </a:p>
           <a:p>
-            <a:endParaRPr lang="ko-KR" altLang="en-US" sz="2400">
+            <a:r>
+              <a:rPr lang="ko-KR" altLang="en-US" sz="2400" b="1" dirty="0">
+                <a:solidFill>
+                  <a:schemeClr val="tx1">
+                    <a:lumMod val="85000"/>
+                    <a:lumOff val="15000"/>
+                  </a:schemeClr>
+                </a:solidFill>
+                <a:latin typeface="맑은 고딕"/>
+                <a:cs typeface="Arial"/>
+              </a:rPr>
+              <a:t>주요기능</a:t>
+            </a:r>
+            <a:r>
+              <a:rPr lang="ko-KR" altLang="en-US" sz="2400" dirty="0">
+                <a:solidFill>
+                  <a:schemeClr val="tx1">
+                    <a:lumMod val="85000"/>
+                    <a:lumOff val="15000"/>
+                  </a:schemeClr>
+                </a:solidFill>
+                <a:latin typeface="맑은 고딕"/>
+                <a:cs typeface="Arial"/>
+              </a:rPr>
+              <a:t> </a:t>
+            </a:r>
+            <a:endParaRPr lang="en-US" altLang="ko-KR" sz="2400" dirty="0">
+              <a:solidFill>
+                <a:schemeClr val="tx1">
+                  <a:lumMod val="85000"/>
+                  <a:lumOff val="15000"/>
+                </a:schemeClr>
+              </a:solidFill>
               <a:latin typeface="맑은 고딕"/>
               <a:cs typeface="Arial"/>
             </a:endParaRPr>
           </a:p>
           <a:p>
-            <a:endParaRPr lang="ko-KR" altLang="en-US" sz="2400">
+            <a:endParaRPr lang="en-US" altLang="ko-KR" sz="2400" dirty="0">
+              <a:solidFill>
+                <a:schemeClr val="tx1">
+                  <a:lumMod val="85000"/>
+                  <a:lumOff val="15000"/>
+                </a:schemeClr>
+              </a:solidFill>
               <a:latin typeface="맑은 고딕"/>
               <a:cs typeface="Arial"/>
             </a:endParaRPr>
           </a:p>
           <a:p>
             <a:r>
-              <a:rPr lang="KO-KR" altLang="EN-US" sz="2400" b="1" dirty="0">
-                <a:latin typeface="맑은 고딕"/>
-                <a:cs typeface="Arial"/>
-              </a:rPr>
-              <a:t>해결 방안</a:t>
-            </a:r>
-            <a:endParaRPr lang="ko-KR" altLang="en-US" sz="2400" b="1" dirty="0">
+              <a:rPr lang="en-US" altLang="ko-KR" sz="2400" dirty="0">
+                <a:solidFill>
+                  <a:schemeClr val="tx1">
+                    <a:lumMod val="85000"/>
+                    <a:lumOff val="15000"/>
+                  </a:schemeClr>
+                </a:solidFill>
+                <a:latin typeface="맑은 고딕"/>
+                <a:cs typeface="Arial"/>
+              </a:rPr>
+              <a:t>- </a:t>
+            </a:r>
+            <a:r>
+              <a:rPr lang="ko-KR" altLang="en-US" sz="2400" dirty="0">
+                <a:solidFill>
+                  <a:schemeClr val="tx1">
+                    <a:lumMod val="85000"/>
+                    <a:lumOff val="15000"/>
+                  </a:schemeClr>
+                </a:solidFill>
+                <a:latin typeface="맑은 고딕"/>
+                <a:cs typeface="Arial"/>
+              </a:rPr>
+              <a:t>채팅 </a:t>
+            </a:r>
+            <a:r>
+              <a:rPr lang="en-US" altLang="ko-KR" sz="2400" dirty="0">
+                <a:solidFill>
+                  <a:schemeClr val="tx1">
+                    <a:lumMod val="85000"/>
+                    <a:lumOff val="15000"/>
+                  </a:schemeClr>
+                </a:solidFill>
+                <a:latin typeface="맑은 고딕"/>
+                <a:cs typeface="Arial"/>
+              </a:rPr>
+              <a:t>(</a:t>
+            </a:r>
+            <a:r>
+              <a:rPr lang="ko-KR" altLang="en-US" sz="2400" dirty="0">
+                <a:solidFill>
+                  <a:schemeClr val="tx1">
+                    <a:lumMod val="85000"/>
+                    <a:lumOff val="15000"/>
+                  </a:schemeClr>
+                </a:solidFill>
+                <a:latin typeface="맑은 고딕"/>
+                <a:cs typeface="Arial"/>
+              </a:rPr>
+              <a:t>파일 전송 및 뷰어로 함께 볼 수 있는 기능</a:t>
+            </a:r>
+            <a:r>
+              <a:rPr lang="en-US" altLang="ko-KR" sz="2400" dirty="0">
+                <a:solidFill>
+                  <a:schemeClr val="tx1">
+                    <a:lumMod val="85000"/>
+                    <a:lumOff val="15000"/>
+                  </a:schemeClr>
+                </a:solidFill>
+                <a:latin typeface="맑은 고딕"/>
+                <a:cs typeface="Arial"/>
+              </a:rPr>
+              <a:t>)</a:t>
+            </a:r>
+          </a:p>
+          <a:p>
+            <a:r>
+              <a:rPr lang="en-US" altLang="ko-KR" sz="2400" dirty="0">
+                <a:solidFill>
+                  <a:schemeClr val="tx1">
+                    <a:lumMod val="85000"/>
+                    <a:lumOff val="15000"/>
+                  </a:schemeClr>
+                </a:solidFill>
+                <a:latin typeface="맑은 고딕"/>
+                <a:cs typeface="Arial"/>
+              </a:rPr>
+              <a:t>- </a:t>
+            </a:r>
+            <a:r>
+              <a:rPr lang="ko-KR" altLang="en-US" sz="2400" dirty="0">
+                <a:solidFill>
+                  <a:schemeClr val="tx1">
+                    <a:lumMod val="85000"/>
+                    <a:lumOff val="15000"/>
+                  </a:schemeClr>
+                </a:solidFill>
+                <a:latin typeface="맑은 고딕"/>
+                <a:cs typeface="Arial"/>
+              </a:rPr>
+              <a:t>여행 가이드 매칭</a:t>
+            </a:r>
+            <a:endParaRPr lang="en-US" altLang="ko-KR" sz="2400" dirty="0">
+              <a:solidFill>
+                <a:schemeClr val="tx1">
+                  <a:lumMod val="85000"/>
+                  <a:lumOff val="15000"/>
+                </a:schemeClr>
+              </a:solidFill>
               <a:latin typeface="맑은 고딕"/>
               <a:cs typeface="Arial"/>
             </a:endParaRPr>
           </a:p>
           <a:p>
-            <a:endParaRPr lang="ko-KR" altLang="en-US" sz="2400">
-              <a:latin typeface="맑은 고딕"/>
-              <a:cs typeface="Arial"/>
-            </a:endParaRPr>
-          </a:p>
-          <a:p>
-            <a:r>
-              <a:rPr lang="KO-KR" altLang="EN-US" sz="2400" dirty="0">
-                <a:latin typeface="맑은 고딕"/>
-                <a:cs typeface="Arial"/>
-              </a:rPr>
-              <a:t>- 관리실과 주민들이 원활히 소통할 수 있는 웹 커뮤니티 </a:t>
-            </a:r>
-            <a:r>
-              <a:rPr lang="KO-KR" altLang="en-US" sz="2400" dirty="0">
-                <a:latin typeface="맑은 고딕"/>
-                <a:cs typeface="Arial"/>
-              </a:rPr>
-              <a:t>사이트</a:t>
-            </a:r>
-            <a:r>
-              <a:rPr lang="KO-KR" altLang="EN-US" sz="2400" dirty="0">
-                <a:latin typeface="맑은 고딕"/>
-                <a:cs typeface="Arial"/>
-              </a:rPr>
-              <a:t> 구현</a:t>
-            </a:r>
-          </a:p>
-          <a:p>
-            <a:r>
-              <a:rPr lang="KO-KR" altLang="EN-US" sz="2400" dirty="0">
-                <a:latin typeface="맑은 고딕"/>
-                <a:cs typeface="Arial"/>
-              </a:rPr>
-              <a:t>- 각종 공과금 조회 및 납부 </a:t>
-            </a:r>
-          </a:p>
-          <a:p>
-            <a:r>
-              <a:rPr lang="KO-KR" altLang="EN-US" sz="2400" dirty="0">
-                <a:latin typeface="맑은 고딕"/>
-                <a:cs typeface="Arial"/>
-              </a:rPr>
-              <a:t>- </a:t>
-            </a:r>
-            <a:endParaRPr lang="ko-KR" altLang="EN-US" sz="2400" dirty="0">
-              <a:latin typeface="맑은 고딕"/>
-              <a:cs typeface="Arial"/>
-            </a:endParaRPr>
-          </a:p>
-          <a:p>
-            <a:endParaRPr lang="ko-KR" altLang="en-US" sz="2400">
-              <a:latin typeface="맑은 고딕"/>
-              <a:cs typeface="Arial"/>
-            </a:endParaRPr>
-          </a:p>
-          <a:p>
-            <a:endParaRPr lang="ko-KR" altLang="en-US" sz="2400">
-              <a:latin typeface="맑은 고딕"/>
-              <a:cs typeface="Arial"/>
-            </a:endParaRPr>
-          </a:p>
-          <a:p>
-            <a:endParaRPr lang="KO-KR" altLang="KO-KR" sz="2400">
+            <a:r>
+              <a:rPr lang="en-US" altLang="ko-KR" sz="2400" dirty="0">
+                <a:solidFill>
+                  <a:schemeClr val="tx1">
+                    <a:lumMod val="85000"/>
+                    <a:lumOff val="15000"/>
+                  </a:schemeClr>
+                </a:solidFill>
+                <a:latin typeface="맑은 고딕"/>
+                <a:cs typeface="Arial"/>
+              </a:rPr>
+              <a:t>- </a:t>
+            </a:r>
+            <a:r>
+              <a:rPr lang="ko-KR" altLang="en-US" sz="2400" dirty="0">
+                <a:solidFill>
+                  <a:schemeClr val="tx1">
+                    <a:lumMod val="85000"/>
+                    <a:lumOff val="15000"/>
+                  </a:schemeClr>
+                </a:solidFill>
+                <a:latin typeface="맑은 고딕"/>
+                <a:cs typeface="Arial"/>
+              </a:rPr>
+              <a:t>   </a:t>
+            </a:r>
+            <a:endParaRPr lang="KO-KR" altLang="KO-KR" sz="2400" dirty="0">
+              <a:solidFill>
+                <a:schemeClr val="tx1">
+                  <a:lumMod val="85000"/>
+                  <a:lumOff val="15000"/>
+                </a:schemeClr>
+              </a:solidFill>
               <a:latin typeface="맑은 고딕"/>
               <a:cs typeface="Arial"/>
             </a:endParaRPr>
@@ -6213,314 +6963,6 @@
     <p:extLst>
       <p:ext uri="{BB962C8B-B14F-4D97-AF65-F5344CB8AC3E}">
         <p14:creationId xmlns:p14="http://schemas.microsoft.com/office/powerpoint/2010/main" val="3774727101"/>
-      </p:ext>
-    </p:extLst>
-  </p:cSld>
-  <p:clrMapOvr>
-    <a:masterClrMapping/>
-  </p:clrMapOvr>
-</p:sld>
-</file>
-
-<file path=ppt/slides/slide6.xml><?xml version="1.0" encoding="utf-8"?>
-<p:sld xmlns:a="http://schemas.openxmlformats.org/drawingml/2006/main" xmlns:r="http://schemas.openxmlformats.org/officeDocument/2006/relationships" xmlns:p="http://schemas.openxmlformats.org/presentationml/2006/main">
-  <p:cSld>
-    <p:bg>
-      <p:bgPr>
-        <a:solidFill>
-          <a:schemeClr val="bg1"/>
-        </a:solidFill>
-        <a:effectLst/>
-      </p:bgPr>
-    </p:bg>
-    <p:spTree>
-      <p:nvGrpSpPr>
-        <p:cNvPr id="1" name=""/>
-        <p:cNvGrpSpPr/>
-        <p:nvPr/>
-      </p:nvGrpSpPr>
-      <p:grpSpPr>
-        <a:xfrm>
-          <a:off x="0" y="0"/>
-          <a:ext cx="0" cy="0"/>
-          <a:chOff x="0" y="0"/>
-          <a:chExt cx="0" cy="0"/>
-        </a:xfrm>
-      </p:grpSpPr>
-      <p:sp>
-        <p:nvSpPr>
-          <p:cNvPr id="4" name="TextBox 3"/>
-          <p:cNvSpPr txBox="1"/>
-          <p:nvPr/>
-        </p:nvSpPr>
-        <p:spPr>
-          <a:xfrm>
-            <a:off x="361950" y="390525"/>
-            <a:ext cx="10909300" cy="7602081"/>
-          </a:xfrm>
-          <a:prstGeom prst="rect">
-            <a:avLst/>
-          </a:prstGeom>
-        </p:spPr>
-        <p:txBody>
-          <a:bodyPr rtlCol="0" anchor="t">
-            <a:spAutoFit/>
-          </a:bodyPr>
-          <a:lstStyle/>
-          <a:p>
-            <a:r>
-              <a:rPr lang="KO-KR" altLang="EN-US" sz="2800" b="1" dirty="0">
-                <a:solidFill>
-                  <a:srgbClr val="3F3F3F"/>
-                </a:solidFill>
-                <a:latin typeface="Arial"/>
-                <a:cs typeface="Arial"/>
-              </a:rPr>
-              <a:t>주제 </a:t>
-            </a:r>
-            <a:r>
-              <a:rPr lang="EN-US" altLang="KO-KR" sz="2800" b="1" dirty="0">
-                <a:solidFill>
-                  <a:srgbClr val="3F3F3F"/>
-                </a:solidFill>
-                <a:latin typeface="Arial"/>
-                <a:cs typeface="Arial"/>
-              </a:rPr>
-              <a:t>4</a:t>
-            </a:r>
-          </a:p>
-          <a:p>
-            <a:r>
-              <a:rPr lang="KO-KR" altLang="EN-US" sz="2800" b="1" dirty="0">
-                <a:solidFill>
-                  <a:srgbClr val="3F3F3F"/>
-                </a:solidFill>
-                <a:latin typeface="맑은 고딕"/>
-                <a:cs typeface="Arial"/>
-              </a:rPr>
-              <a:t>PPT 공유</a:t>
-            </a:r>
-            <a:endParaRPr lang="ko-KR" altLang="EN-US" sz="2800" b="1" dirty="0">
-              <a:solidFill>
-                <a:srgbClr val="3F3F3F"/>
-              </a:solidFill>
-              <a:latin typeface="Arial"/>
-              <a:cs typeface="Arial"/>
-            </a:endParaRPr>
-          </a:p>
-          <a:p>
-            <a:endParaRPr lang="ko-KR" altLang="en-US" sz="2400" b="1">
-              <a:latin typeface="Arial"/>
-              <a:cs typeface="Arial"/>
-            </a:endParaRPr>
-          </a:p>
-          <a:p>
-            <a:endParaRPr lang="ko-KR" altLang="en-US" sz="2400" b="1">
-              <a:solidFill>
-                <a:srgbClr val="3F3F3F"/>
-              </a:solidFill>
-              <a:latin typeface="맑은 고딕"/>
-              <a:cs typeface="Arial"/>
-            </a:endParaRPr>
-          </a:p>
-          <a:p>
-            <a:r>
-              <a:rPr lang="KO-KR" altLang="EN-US" sz="2400" b="1" dirty="0">
-                <a:solidFill>
-                  <a:srgbClr val="3F3F3F"/>
-                </a:solidFill>
-                <a:latin typeface="맑은 고딕"/>
-                <a:cs typeface="Arial"/>
-              </a:rPr>
-              <a:t>문제점</a:t>
-            </a:r>
-            <a:endParaRPr lang="ko-KR" altLang="en-US" sz="2400" b="1" dirty="0">
-              <a:solidFill>
-                <a:srgbClr val="3F3F3F"/>
-              </a:solidFill>
-              <a:latin typeface="맑은 고딕"/>
-              <a:cs typeface="Arial"/>
-            </a:endParaRPr>
-          </a:p>
-          <a:p>
-            <a:endParaRPr lang="ko-KR" altLang="EN-US" sz="2400" b="1">
-              <a:latin typeface="Arial"/>
-              <a:cs typeface="Arial"/>
-            </a:endParaRPr>
-          </a:p>
-          <a:p>
-            <a:r>
-              <a:rPr lang="KO-KR" altLang="EN-US" sz="2400" dirty="0">
-                <a:latin typeface="맑은 고딕"/>
-                <a:cs typeface="Arial"/>
-              </a:rPr>
-              <a:t>관리실과 주민들간의 소통 부재 또는 이웃 주민들 간의 의사 소통</a:t>
-            </a:r>
-            <a:r>
-              <a:rPr lang="KO-KR" altLang="en-US" sz="2400" dirty="0">
-                <a:latin typeface="맑은 고딕"/>
-                <a:cs typeface="Arial"/>
-              </a:rPr>
-              <a:t> </a:t>
-            </a:r>
-            <a:r>
-              <a:rPr lang="KO-KR" altLang="EN-US" sz="2400" dirty="0">
-                <a:latin typeface="맑은 고딕"/>
-                <a:cs typeface="Arial"/>
-              </a:rPr>
-              <a:t>부족</a:t>
-            </a:r>
-            <a:endParaRPr lang="ko-KR" altLang="EN-US" sz="2400" dirty="0">
-              <a:latin typeface="맑은 고딕"/>
-              <a:cs typeface="Arial"/>
-            </a:endParaRPr>
-          </a:p>
-          <a:p>
-            <a:r>
-              <a:rPr lang="KO-KR" altLang="EN-US" sz="2400" dirty="0">
-                <a:latin typeface="맑은 고딕"/>
-                <a:cs typeface="Arial"/>
-              </a:rPr>
-              <a:t>- 이웃 간의 층간 소음</a:t>
-            </a:r>
-            <a:endParaRPr lang="ko-KR" altLang="EN-US" sz="2400" dirty="0">
-              <a:latin typeface="맑은 고딕"/>
-              <a:cs typeface="Arial"/>
-            </a:endParaRPr>
-          </a:p>
-          <a:p>
-            <a:r>
-              <a:rPr lang="KO-KR" altLang="EN-US" sz="2400" dirty="0">
-                <a:latin typeface="맑은 고딕"/>
-                <a:cs typeface="Arial"/>
-              </a:rPr>
-              <a:t>- 주차 문제</a:t>
-            </a:r>
-            <a:endParaRPr lang="ko-KR" altLang="EN-US" sz="2400" dirty="0">
-              <a:latin typeface="맑은 고딕"/>
-              <a:cs typeface="Arial"/>
-            </a:endParaRPr>
-          </a:p>
-          <a:p>
-            <a:r>
-              <a:rPr lang="KO-KR" altLang="EN-US" sz="2400" dirty="0">
-                <a:latin typeface="맑은 고딕"/>
-                <a:cs typeface="Arial"/>
-              </a:rPr>
-              <a:t>- 부재 시 놓치게 되는 관리실 방송 </a:t>
-            </a:r>
-            <a:endParaRPr lang="ko-KR" altLang="EN-US" sz="2400" dirty="0">
-              <a:latin typeface="맑은 고딕"/>
-              <a:cs typeface="Arial"/>
-            </a:endParaRPr>
-          </a:p>
-          <a:p>
-            <a:endParaRPr lang="ko-KR" altLang="en-US" sz="2400">
-              <a:latin typeface="맑은 고딕"/>
-              <a:cs typeface="Arial"/>
-            </a:endParaRPr>
-          </a:p>
-          <a:p>
-            <a:endParaRPr lang="ko-KR" altLang="en-US" sz="2400">
-              <a:latin typeface="맑은 고딕"/>
-              <a:cs typeface="Arial"/>
-            </a:endParaRPr>
-          </a:p>
-          <a:p>
-            <a:r>
-              <a:rPr lang="KO-KR" altLang="EN-US" sz="2400" b="1" dirty="0">
-                <a:latin typeface="맑은 고딕"/>
-                <a:cs typeface="Arial"/>
-              </a:rPr>
-              <a:t>해결 방안</a:t>
-            </a:r>
-            <a:endParaRPr lang="ko-KR" altLang="en-US" sz="2400" b="1" dirty="0">
-              <a:latin typeface="맑은 고딕"/>
-              <a:cs typeface="Arial"/>
-            </a:endParaRPr>
-          </a:p>
-          <a:p>
-            <a:endParaRPr lang="ko-KR" altLang="en-US" sz="2400">
-              <a:latin typeface="맑은 고딕"/>
-              <a:cs typeface="Arial"/>
-            </a:endParaRPr>
-          </a:p>
-          <a:p>
-            <a:r>
-              <a:rPr lang="KO-KR" altLang="EN-US" sz="2400" dirty="0">
-                <a:latin typeface="맑은 고딕"/>
-                <a:cs typeface="Arial"/>
-              </a:rPr>
-              <a:t>- 실시간 발표자의 화면을 공유한다</a:t>
-            </a:r>
-            <a:r>
-              <a:rPr lang="EN-US" altLang="KO-KR" sz="2400" dirty="0">
-                <a:latin typeface="맑은 고딕"/>
-                <a:cs typeface="Arial"/>
-              </a:rPr>
-              <a:t>.</a:t>
-            </a:r>
-          </a:p>
-          <a:p>
-            <a:r>
-              <a:rPr lang="KO-KR" altLang="EN-US" sz="2400" dirty="0">
-                <a:latin typeface="맑은 고딕"/>
-                <a:cs typeface="Arial"/>
-              </a:rPr>
-              <a:t>-  강의실 </a:t>
-            </a:r>
-            <a:r>
-              <a:rPr lang="KO-KR" altLang="EN-US" sz="2400" dirty="0" err="1">
-                <a:latin typeface="맑은 고딕"/>
-                <a:cs typeface="Arial"/>
-              </a:rPr>
-              <a:t>입장시</a:t>
-            </a:r>
-            <a:r>
-              <a:rPr lang="KO-KR" altLang="EN-US" sz="2400" dirty="0">
-                <a:latin typeface="맑은 고딕"/>
-                <a:cs typeface="Arial"/>
-              </a:rPr>
-              <a:t> </a:t>
-            </a:r>
-          </a:p>
-          <a:p>
-            <a:r>
-              <a:rPr lang="KO-KR" altLang="EN-US" sz="2400" dirty="0">
-                <a:latin typeface="맑은 고딕"/>
-                <a:cs typeface="Arial"/>
-              </a:rPr>
-              <a:t>- </a:t>
-            </a:r>
-            <a:endParaRPr lang="ko-KR" altLang="EN-US" sz="2400" dirty="0">
-              <a:latin typeface="맑은 고딕"/>
-              <a:cs typeface="Arial"/>
-            </a:endParaRPr>
-          </a:p>
-          <a:p>
-            <a:endParaRPr lang="ko-KR" altLang="en-US" sz="2400">
-              <a:latin typeface="맑은 고딕"/>
-              <a:cs typeface="Arial"/>
-            </a:endParaRPr>
-          </a:p>
-          <a:p>
-            <a:endParaRPr lang="ko-KR" altLang="en-US" sz="2400">
-              <a:latin typeface="맑은 고딕"/>
-              <a:cs typeface="Arial"/>
-            </a:endParaRPr>
-          </a:p>
-          <a:p>
-            <a:endParaRPr lang="KO-KR" altLang="KO-KR" sz="2400">
-              <a:latin typeface="맑은 고딕"/>
-              <a:cs typeface="Arial"/>
-            </a:endParaRPr>
-          </a:p>
-        </p:txBody>
-      </p:sp>
-    </p:spTree>
-    <p:extLst>
-      <p:ext uri="{BB962C8B-B14F-4D97-AF65-F5344CB8AC3E}">
-        <p14:creationId xmlns:p14="http://schemas.microsoft.com/office/powerpoint/2010/main" val="479876066"/>
       </p:ext>
     </p:extLst>
   </p:cSld>

--- a/기획안_1107_2.pptx
+++ b/기획안_1107_2.pptx
@@ -6515,10 +6515,10 @@
                 <a:latin typeface="Arial"/>
                 <a:cs typeface="Arial"/>
               </a:rPr>
-              <a:t> </a:t>
-            </a:r>
-            <a:r>
-              <a:rPr lang="ko-KR" altLang="en-US" sz="2400" dirty="0">
+              <a:t> 외국인 친구를 사귈 기회와 대화할 기회가 적다</a:t>
+            </a:r>
+            <a:r>
+              <a:rPr lang="en-US" altLang="ko-KR" sz="2400" dirty="0">
                 <a:solidFill>
                   <a:schemeClr val="tx1">
                     <a:lumMod val="85000"/>
@@ -6528,31 +6528,8 @@
                 <a:latin typeface="Arial"/>
                 <a:cs typeface="Arial"/>
               </a:rPr>
-              <a:t>외국인 친구를 사귈 기회와 대화할 기회가 적다</a:t>
-            </a:r>
-            <a:r>
-              <a:rPr lang="en-US" altLang="ko-KR" sz="2400" dirty="0">
-                <a:solidFill>
-                  <a:schemeClr val="tx1">
-                    <a:lumMod val="85000"/>
-                    <a:lumOff val="15000"/>
-                  </a:schemeClr>
-                </a:solidFill>
-                <a:latin typeface="Arial"/>
-                <a:cs typeface="Arial"/>
-              </a:rPr>
               <a:t>. </a:t>
             </a:r>
-            <a:endParaRPr lang="en-US" altLang="ko-KR" sz="2400" dirty="0">
-              <a:solidFill>
-                <a:schemeClr val="tx1">
-                  <a:lumMod val="85000"/>
-                  <a:lumOff val="15000"/>
-                </a:schemeClr>
-              </a:solidFill>
-              <a:latin typeface="Arial"/>
-              <a:cs typeface="Arial"/>
-            </a:endParaRPr>
           </a:p>
           <a:p>
             <a:r>
@@ -6655,22 +6632,7 @@
                 <a:latin typeface="맑은 고딕"/>
                 <a:cs typeface="Arial"/>
               </a:rPr>
-              <a:t>   </a:t>
-            </a:r>
-          </a:p>
-          <a:p>
-            <a:r>
-              <a:rPr lang="en-US" altLang="ko-KR" sz="2400" dirty="0">
-                <a:solidFill>
-                  <a:schemeClr val="tx1">
-                    <a:lumMod val="85000"/>
-                    <a:lumOff val="15000"/>
-                  </a:schemeClr>
-                </a:solidFill>
-                <a:latin typeface="맑은 고딕"/>
-                <a:cs typeface="Arial"/>
-              </a:rPr>
-              <a:t>     </a:t>
+              <a:t>       </a:t>
             </a:r>
           </a:p>
           <a:p>
@@ -6815,8 +6777,12 @@
             </a:endParaRPr>
           </a:p>
           <a:p>
-            <a:r>
-              <a:rPr lang="en-US" altLang="ko-KR" sz="2400" dirty="0">
+            <a:pPr marL="342900" indent="-342900">
+              <a:buFontTx/>
+              <a:buChar char="-"/>
+            </a:pPr>
+            <a:r>
+              <a:rPr lang="ko-KR" altLang="en-US" sz="2400" dirty="0">
                 <a:solidFill>
                   <a:schemeClr val="tx1">
                     <a:lumMod val="85000"/>
@@ -6826,10 +6792,10 @@
                 <a:latin typeface="맑은 고딕"/>
                 <a:cs typeface="Arial"/>
               </a:rPr>
-              <a:t>- </a:t>
-            </a:r>
-            <a:r>
-              <a:rPr lang="ko-KR" altLang="en-US" sz="2400" dirty="0">
+              <a:t>채팅 </a:t>
+            </a:r>
+            <a:r>
+              <a:rPr lang="en-US" altLang="ko-KR" sz="2400" dirty="0">
                 <a:solidFill>
                   <a:schemeClr val="tx1">
                     <a:lumMod val="85000"/>
@@ -6839,10 +6805,10 @@
                 <a:latin typeface="맑은 고딕"/>
                 <a:cs typeface="Arial"/>
               </a:rPr>
-              <a:t>채팅 </a:t>
-            </a:r>
-            <a:r>
-              <a:rPr lang="en-US" altLang="ko-KR" sz="2400" dirty="0">
+              <a:t>(</a:t>
+            </a:r>
+            <a:r>
+              <a:rPr lang="ko-KR" altLang="en-US" sz="2400" dirty="0">
                 <a:solidFill>
                   <a:schemeClr val="tx1">
                     <a:lumMod val="85000"/>
@@ -6852,10 +6818,10 @@
                 <a:latin typeface="맑은 고딕"/>
                 <a:cs typeface="Arial"/>
               </a:rPr>
-              <a:t>(</a:t>
-            </a:r>
-            <a:r>
-              <a:rPr lang="ko-KR" altLang="en-US" sz="2400" dirty="0">
+              <a:t>파일 전송 및 뷰어로 함께 볼 수 있는 기능</a:t>
+            </a:r>
+            <a:r>
+              <a:rPr lang="en-US" altLang="ko-KR" sz="2400" dirty="0">
                 <a:solidFill>
                   <a:schemeClr val="tx1">
                     <a:lumMod val="85000"/>
@@ -6865,10 +6831,16 @@
                 <a:latin typeface="맑은 고딕"/>
                 <a:cs typeface="Arial"/>
               </a:rPr>
-              <a:t>파일 전송 및 뷰어로 함께 볼 수 있는 기능</a:t>
-            </a:r>
-            <a:r>
-              <a:rPr lang="en-US" altLang="ko-KR" sz="2400" dirty="0">
+              <a:t>)</a:t>
+            </a:r>
+          </a:p>
+          <a:p>
+            <a:pPr marL="342900" indent="-342900">
+              <a:buFontTx/>
+              <a:buChar char="-"/>
+            </a:pPr>
+            <a:r>
+              <a:rPr lang="ko-KR" altLang="en-US" sz="2400" dirty="0">
                 <a:solidFill>
                   <a:schemeClr val="tx1">
                     <a:lumMod val="85000"/>
@@ -6878,35 +6850,7 @@
                 <a:latin typeface="맑은 고딕"/>
                 <a:cs typeface="Arial"/>
               </a:rPr>
-              <a:t>)</a:t>
-            </a:r>
-          </a:p>
-          <a:p>
-            <a:r>
-              <a:rPr lang="en-US" altLang="ko-KR" sz="2400" dirty="0">
-                <a:solidFill>
-                  <a:schemeClr val="tx1">
-                    <a:lumMod val="85000"/>
-                    <a:lumOff val="15000"/>
-                  </a:schemeClr>
-                </a:solidFill>
-                <a:latin typeface="맑은 고딕"/>
-                <a:cs typeface="Arial"/>
-              </a:rPr>
-              <a:t>- </a:t>
-            </a:r>
-            <a:r>
-              <a:rPr lang="ko-KR" altLang="en-US" sz="2400" dirty="0">
-                <a:solidFill>
-                  <a:schemeClr val="tx1">
-                    <a:lumMod val="85000"/>
-                    <a:lumOff val="15000"/>
-                  </a:schemeClr>
-                </a:solidFill>
-                <a:latin typeface="맑은 고딕"/>
-                <a:cs typeface="Arial"/>
-              </a:rPr>
-              <a:t>여행 가이드 매칭</a:t>
+              <a:t>메시지 보내기 </a:t>
             </a:r>
             <a:endParaRPr lang="en-US" altLang="ko-KR" sz="2400" dirty="0">
               <a:solidFill>
@@ -6931,7 +6875,7 @@
                 <a:latin typeface="맑은 고딕"/>
                 <a:cs typeface="Arial"/>
               </a:rPr>
-              <a:t>- </a:t>
+              <a:t>-  </a:t>
             </a:r>
             <a:r>
               <a:rPr lang="ko-KR" altLang="en-US" sz="2400" dirty="0">
@@ -6944,7 +6888,32 @@
                 <a:latin typeface="맑은 고딕"/>
                 <a:cs typeface="Arial"/>
               </a:rPr>
-              <a:t>   </a:t>
+              <a:t>여행 가이드 매칭</a:t>
+            </a:r>
+            <a:endParaRPr lang="en-US" altLang="ko-KR" sz="2400" dirty="0">
+              <a:solidFill>
+                <a:schemeClr val="tx1">
+                  <a:lumMod val="85000"/>
+                  <a:lumOff val="15000"/>
+                </a:schemeClr>
+              </a:solidFill>
+              <a:latin typeface="맑은 고딕"/>
+              <a:cs typeface="Arial"/>
+            </a:endParaRPr>
+          </a:p>
+          <a:p>
+            <a:r>
+              <a:rPr lang="ko-KR" altLang="en-US" sz="2400" dirty="0">
+                <a:solidFill>
+                  <a:schemeClr val="tx1">
+                    <a:lumMod val="85000"/>
+                    <a:lumOff val="15000"/>
+                  </a:schemeClr>
+                </a:solidFill>
+                <a:latin typeface="맑은 고딕"/>
+                <a:cs typeface="Arial"/>
+              </a:rPr>
+              <a:t>  </a:t>
             </a:r>
             <a:endParaRPr lang="KO-KR" altLang="KO-KR" sz="2400" dirty="0">
               <a:solidFill>
